--- a/Trasparencias/Fisicas.pptx
+++ b/Trasparencias/Fisicas.pptx
@@ -213,7 +213,7 @@
           <a:effectLst/>
           <a:extLst>
             <a:ext uri="{91240B29-F687-4f45-9708-019B960494DF}">
-              <a14:hiddenLine xmlns:a14="http://schemas.microsoft.com/office/drawing/2010/main" xmlns="" w="9525">
+              <a14:hiddenLine xmlns="" xmlns:a14="http://schemas.microsoft.com/office/drawing/2010/main" w="9525">
                 <a:solidFill>
                   <a:srgbClr val="000000"/>
                 </a:solidFill>
@@ -406,7 +406,7 @@
             <a:fld id="{B61BEF0D-F0BB-DE4B-95CE-6DB70DBA9567}" type="datetimeFigureOut">
               <a:rPr lang="en-US" smtClean="0"/>
               <a:pPr/>
-              <a:t>4/17/2016</a:t>
+              <a:t>4/21/2016</a:t>
             </a:fld>
             <a:endParaRPr lang="en-US" dirty="0"/>
           </a:p>
@@ -725,7 +725,7 @@
             <a:fld id="{B61BEF0D-F0BB-DE4B-95CE-6DB70DBA9567}" type="datetimeFigureOut">
               <a:rPr lang="en-US" smtClean="0"/>
               <a:pPr/>
-              <a:t>4/17/2016</a:t>
+              <a:t>4/21/2016</a:t>
             </a:fld>
             <a:endParaRPr lang="en-US" dirty="0"/>
           </a:p>
@@ -1214,7 +1214,7 @@
             <a:fld id="{B61BEF0D-F0BB-DE4B-95CE-6DB70DBA9567}" type="datetimeFigureOut">
               <a:rPr lang="en-US" smtClean="0"/>
               <a:pPr/>
-              <a:t>4/17/2016</a:t>
+              <a:t>4/21/2016</a:t>
             </a:fld>
             <a:endParaRPr lang="en-US" dirty="0"/>
           </a:p>
@@ -1584,7 +1584,7 @@
             <a:fld id="{B61BEF0D-F0BB-DE4B-95CE-6DB70DBA9567}" type="datetimeFigureOut">
               <a:rPr lang="en-US" smtClean="0"/>
               <a:pPr/>
-              <a:t>4/17/2016</a:t>
+              <a:t>4/21/2016</a:t>
             </a:fld>
             <a:endParaRPr lang="en-US" dirty="0"/>
           </a:p>
@@ -1739,7 +1739,7 @@
           <a:ln/>
           <a:extLst>
             <a:ext uri="{91240B29-F687-4f45-9708-019B960494DF}">
-              <a14:hiddenLine xmlns:a14="http://schemas.microsoft.com/office/drawing/2010/main" xmlns="" w="9525">
+              <a14:hiddenLine xmlns="" xmlns:a14="http://schemas.microsoft.com/office/drawing/2010/main" w="9525">
                 <a:solidFill>
                   <a:srgbClr val="000000"/>
                 </a:solidFill>
@@ -1858,7 +1858,7 @@
             <a:fld id="{B61BEF0D-F0BB-DE4B-95CE-6DB70DBA9567}" type="datetimeFigureOut">
               <a:rPr lang="en-US" smtClean="0"/>
               <a:pPr/>
-              <a:t>4/17/2016</a:t>
+              <a:t>4/21/2016</a:t>
             </a:fld>
             <a:endParaRPr lang="en-US" dirty="0"/>
           </a:p>
@@ -2015,7 +2015,7 @@
           <a:ln/>
           <a:extLst>
             <a:ext uri="{91240B29-F687-4f45-9708-019B960494DF}">
-              <a14:hiddenLine xmlns:a14="http://schemas.microsoft.com/office/drawing/2010/main" xmlns="" w="9525">
+              <a14:hiddenLine xmlns="" xmlns:a14="http://schemas.microsoft.com/office/drawing/2010/main" w="9525">
                 <a:solidFill>
                   <a:srgbClr val="000000"/>
                 </a:solidFill>
@@ -2144,7 +2144,7 @@
             <a:fld id="{B61BEF0D-F0BB-DE4B-95CE-6DB70DBA9567}" type="datetimeFigureOut">
               <a:rPr lang="en-US" smtClean="0"/>
               <a:pPr/>
-              <a:t>4/17/2016</a:t>
+              <a:t>4/21/2016</a:t>
             </a:fld>
             <a:endParaRPr lang="en-US" dirty="0"/>
           </a:p>
@@ -2299,7 +2299,7 @@
           <a:ln/>
           <a:extLst>
             <a:ext uri="{91240B29-F687-4f45-9708-019B960494DF}">
-              <a14:hiddenLine xmlns:a14="http://schemas.microsoft.com/office/drawing/2010/main" xmlns="" w="9525">
+              <a14:hiddenLine xmlns="" xmlns:a14="http://schemas.microsoft.com/office/drawing/2010/main" w="9525">
                 <a:solidFill>
                   <a:srgbClr val="000000"/>
                 </a:solidFill>
@@ -2428,7 +2428,7 @@
             <a:fld id="{B61BEF0D-F0BB-DE4B-95CE-6DB70DBA9567}" type="datetimeFigureOut">
               <a:rPr lang="en-US" smtClean="0"/>
               <a:pPr/>
-              <a:t>4/17/2016</a:t>
+              <a:t>4/21/2016</a:t>
             </a:fld>
             <a:endParaRPr lang="en-US" dirty="0"/>
           </a:p>
@@ -2773,7 +2773,7 @@
             <a:fld id="{B61BEF0D-F0BB-DE4B-95CE-6DB70DBA9567}" type="datetimeFigureOut">
               <a:rPr lang="en-US" smtClean="0"/>
               <a:pPr/>
-              <a:t>4/17/2016</a:t>
+              <a:t>4/21/2016</a:t>
             </a:fld>
             <a:endParaRPr lang="en-US" dirty="0"/>
           </a:p>
@@ -2928,7 +2928,7 @@
           <a:ln/>
           <a:extLst>
             <a:ext uri="{91240B29-F687-4f45-9708-019B960494DF}">
-              <a14:hiddenLine xmlns:a14="http://schemas.microsoft.com/office/drawing/2010/main" xmlns="" w="9525">
+              <a14:hiddenLine xmlns="" xmlns:a14="http://schemas.microsoft.com/office/drawing/2010/main" w="9525">
                 <a:solidFill>
                   <a:srgbClr val="000000"/>
                 </a:solidFill>
@@ -3113,7 +3113,7 @@
             <a:fld id="{B61BEF0D-F0BB-DE4B-95CE-6DB70DBA9567}" type="datetimeFigureOut">
               <a:rPr lang="en-US" smtClean="0"/>
               <a:pPr/>
-              <a:t>4/17/2016</a:t>
+              <a:t>4/21/2016</a:t>
             </a:fld>
             <a:endParaRPr lang="en-US" dirty="0"/>
           </a:p>
@@ -3269,7 +3269,7 @@
           <a:ln/>
           <a:extLst>
             <a:ext uri="{91240B29-F687-4f45-9708-019B960494DF}">
-              <a14:hiddenLine xmlns:a14="http://schemas.microsoft.com/office/drawing/2010/main" xmlns="" w="9525">
+              <a14:hiddenLine xmlns="" xmlns:a14="http://schemas.microsoft.com/office/drawing/2010/main" w="9525">
                 <a:solidFill>
                   <a:srgbClr val="000000"/>
                 </a:solidFill>
@@ -3592,7 +3592,7 @@
             <a:fld id="{B61BEF0D-F0BB-DE4B-95CE-6DB70DBA9567}" type="datetimeFigureOut">
               <a:rPr lang="en-US" smtClean="0"/>
               <a:pPr/>
-              <a:t>4/17/2016</a:t>
+              <a:t>4/21/2016</a:t>
             </a:fld>
             <a:endParaRPr lang="en-US" dirty="0"/>
           </a:p>
@@ -3747,7 +3747,7 @@
           <a:ln/>
           <a:extLst>
             <a:ext uri="{91240B29-F687-4f45-9708-019B960494DF}">
-              <a14:hiddenLine xmlns:a14="http://schemas.microsoft.com/office/drawing/2010/main" xmlns="" w="9525">
+              <a14:hiddenLine xmlns="" xmlns:a14="http://schemas.microsoft.com/office/drawing/2010/main" w="9525">
                 <a:solidFill>
                   <a:srgbClr val="000000"/>
                 </a:solidFill>
@@ -3814,7 +3814,7 @@
             <a:fld id="{B61BEF0D-F0BB-DE4B-95CE-6DB70DBA9567}" type="datetimeFigureOut">
               <a:rPr lang="en-US" smtClean="0"/>
               <a:pPr/>
-              <a:t>4/17/2016</a:t>
+              <a:t>4/21/2016</a:t>
             </a:fld>
             <a:endParaRPr lang="en-US" dirty="0"/>
           </a:p>
@@ -3910,7 +3910,7 @@
             <a:fld id="{B61BEF0D-F0BB-DE4B-95CE-6DB70DBA9567}" type="datetimeFigureOut">
               <a:rPr lang="en-US" smtClean="0"/>
               <a:pPr/>
-              <a:t>4/17/2016</a:t>
+              <a:t>4/21/2016</a:t>
             </a:fld>
             <a:endParaRPr lang="en-US" dirty="0"/>
           </a:p>
@@ -4179,7 +4179,7 @@
           <a:ln/>
           <a:extLst>
             <a:ext uri="{91240B29-F687-4f45-9708-019B960494DF}">
-              <a14:hiddenLine xmlns:a14="http://schemas.microsoft.com/office/drawing/2010/main" xmlns="" w="9525">
+              <a14:hiddenLine xmlns="" xmlns:a14="http://schemas.microsoft.com/office/drawing/2010/main" w="9525">
                 <a:solidFill>
                   <a:srgbClr val="000000"/>
                 </a:solidFill>
@@ -4379,7 +4379,7 @@
             <a:fld id="{B61BEF0D-F0BB-DE4B-95CE-6DB70DBA9567}" type="datetimeFigureOut">
               <a:rPr lang="en-US" smtClean="0"/>
               <a:pPr/>
-              <a:t>4/17/2016</a:t>
+              <a:t>4/21/2016</a:t>
             </a:fld>
             <a:endParaRPr lang="en-US" dirty="0"/>
           </a:p>
@@ -4693,7 +4693,7 @@
             <a:fld id="{B61BEF0D-F0BB-DE4B-95CE-6DB70DBA9567}" type="datetimeFigureOut">
               <a:rPr lang="en-US" smtClean="0"/>
               <a:pPr/>
-              <a:t>4/17/2016</a:t>
+              <a:t>4/21/2016</a:t>
             </a:fld>
             <a:endParaRPr lang="en-US" dirty="0"/>
           </a:p>
@@ -4964,7 +4964,7 @@
             <a:fld id="{B61BEF0D-F0BB-DE4B-95CE-6DB70DBA9567}" type="datetimeFigureOut">
               <a:rPr lang="en-US" smtClean="0"/>
               <a:pPr/>
-              <a:t>4/17/2016</a:t>
+              <a:t>4/21/2016</a:t>
             </a:fld>
             <a:endParaRPr lang="en-US" dirty="0"/>
           </a:p>
@@ -5429,12 +5429,8 @@
           <a:lstStyle/>
           <a:p>
             <a:r>
-              <a:rPr lang="es-ES" dirty="0" err="1" smtClean="0"/>
-              <a:t>Fisicas</a:t>
-            </a:r>
-            <a:r>
               <a:rPr lang="es-ES" dirty="0" smtClean="0"/>
-              <a:t> </a:t>
+              <a:t>Físicas </a:t>
             </a:r>
             <a:r>
               <a:rPr lang="es-ES" dirty="0" smtClean="0"/>
@@ -5485,6 +5481,13 @@
   <p:clrMapOvr>
     <a:masterClrMapping/>
   </p:clrMapOvr>
+  <p:timing>
+    <p:tnLst>
+      <p:par>
+        <p:cTn id="1" dur="indefinite" restart="never" nodeType="tmRoot"/>
+      </p:par>
+    </p:tnLst>
+  </p:timing>
 </p:sld>
 </file>
 
@@ -5614,6 +5617,13 @@
       <p:transition spd="slow"/>
     </mc:Fallback>
   </mc:AlternateContent>
+  <p:timing>
+    <p:tnLst>
+      <p:par>
+        <p:cTn id="1" dur="indefinite" restart="never" nodeType="tmRoot"/>
+      </p:par>
+    </p:tnLst>
+  </p:timing>
 </p:sld>
 </file>
 
@@ -5717,11 +5727,7 @@
           <a:p>
             <a:r>
               <a:rPr lang="es-ES" dirty="0" smtClean="0"/>
-              <a:t>Tiene motores separados para las físicas en componente</a:t>
-            </a:r>
-            <a:r>
-              <a:rPr lang="es-ES" dirty="0" smtClean="0"/>
-              <a:t>s 2D y 3D.</a:t>
+              <a:t>Tiene motores separados para las físicas en componentes 2D y 3D.</a:t>
             </a:r>
           </a:p>
           <a:p>
@@ -5818,6 +5824,13 @@
   <p:clrMapOvr>
     <a:masterClrMapping/>
   </p:clrMapOvr>
+  <p:timing>
+    <p:tnLst>
+      <p:par>
+        <p:cTn id="1" dur="indefinite" restart="never" nodeType="tmRoot"/>
+      </p:par>
+    </p:tnLst>
+  </p:timing>
 </p:sld>
 </file>
 
@@ -5950,6 +5963,13 @@
   <p:clrMapOvr>
     <a:masterClrMapping/>
   </p:clrMapOvr>
+  <p:timing>
+    <p:tnLst>
+      <p:par>
+        <p:cTn id="1" dur="indefinite" restart="never" nodeType="tmRoot"/>
+      </p:par>
+    </p:tnLst>
+  </p:timing>
 </p:sld>
 </file>
 
@@ -6088,6 +6108,13 @@
   <p:clrMapOvr>
     <a:masterClrMapping/>
   </p:clrMapOvr>
+  <p:timing>
+    <p:tnLst>
+      <p:par>
+        <p:cTn id="1" dur="indefinite" restart="never" nodeType="tmRoot"/>
+      </p:par>
+    </p:tnLst>
+  </p:timing>
 </p:sld>
 </file>
 
@@ -6261,6 +6288,13 @@
   <p:clrMapOvr>
     <a:masterClrMapping/>
   </p:clrMapOvr>
+  <p:timing>
+    <p:tnLst>
+      <p:par>
+        <p:cTn id="1" dur="indefinite" restart="never" nodeType="tmRoot"/>
+      </p:par>
+    </p:tnLst>
+  </p:timing>
 </p:sld>
 </file>
 
@@ -6397,6 +6431,13 @@
   <p:clrMapOvr>
     <a:masterClrMapping/>
   </p:clrMapOvr>
+  <p:timing>
+    <p:tnLst>
+      <p:par>
+        <p:cTn id="1" dur="indefinite" restart="never" nodeType="tmRoot"/>
+      </p:par>
+    </p:tnLst>
+  </p:timing>
 </p:sld>
 </file>
 

--- a/Trasparencias/Fisicas.pptx
+++ b/Trasparencias/Fisicas.pptx
@@ -12,6 +12,17 @@
     <p:sldId id="280" r:id="rId6"/>
     <p:sldId id="281" r:id="rId7"/>
     <p:sldId id="278" r:id="rId8"/>
+    <p:sldId id="282" r:id="rId9"/>
+    <p:sldId id="284" r:id="rId10"/>
+    <p:sldId id="285" r:id="rId11"/>
+    <p:sldId id="283" r:id="rId12"/>
+    <p:sldId id="286" r:id="rId13"/>
+    <p:sldId id="287" r:id="rId14"/>
+    <p:sldId id="290" r:id="rId15"/>
+    <p:sldId id="288" r:id="rId16"/>
+    <p:sldId id="289" r:id="rId17"/>
+    <p:sldId id="291" r:id="rId18"/>
+    <p:sldId id="292" r:id="rId19"/>
   </p:sldIdLst>
   <p:sldSz cx="12192000" cy="6858000"/>
   <p:notesSz cx="6858000" cy="9144000"/>
@@ -111,6 +122,32 @@
     </a:lvl9pPr>
   </p:defaultTextStyle>
   <p:extLst>
+    <p:ext uri="{521415D9-36F7-43E2-AB2F-B90AF26B5E84}">
+      <p14:sectionLst xmlns:p14="http://schemas.microsoft.com/office/powerpoint/2010/main">
+        <p14:section name="Sección predeterminada" id="{E71E4BC8-0D50-4A04-8B6F-FB5BB5E79314}">
+          <p14:sldIdLst>
+            <p14:sldId id="256"/>
+            <p14:sldId id="257"/>
+            <p14:sldId id="263"/>
+            <p14:sldId id="279"/>
+            <p14:sldId id="280"/>
+            <p14:sldId id="281"/>
+            <p14:sldId id="278"/>
+            <p14:sldId id="282"/>
+            <p14:sldId id="284"/>
+            <p14:sldId id="285"/>
+            <p14:sldId id="283"/>
+            <p14:sldId id="286"/>
+            <p14:sldId id="287"/>
+            <p14:sldId id="290"/>
+            <p14:sldId id="288"/>
+            <p14:sldId id="289"/>
+            <p14:sldId id="291"/>
+            <p14:sldId id="292"/>
+          </p14:sldIdLst>
+        </p14:section>
+      </p14:sectionLst>
+    </p:ext>
     <p:ext uri="{EFAFB233-063F-42B5-8137-9DF3F51BA10A}">
       <p15:sldGuideLst xmlns:p15="http://schemas.microsoft.com/office/powerpoint/2012/main"/>
     </p:ext>
@@ -213,7 +250,7 @@
           <a:effectLst/>
           <a:extLst>
             <a:ext uri="{91240B29-F687-4f45-9708-019B960494DF}">
-              <a14:hiddenLine xmlns="" xmlns:a14="http://schemas.microsoft.com/office/drawing/2010/main" w="9525">
+              <a14:hiddenLine xmlns:a14="http://schemas.microsoft.com/office/drawing/2010/main" xmlns="" w="9525">
                 <a:solidFill>
                   <a:srgbClr val="000000"/>
                 </a:solidFill>
@@ -406,7 +443,7 @@
             <a:fld id="{B61BEF0D-F0BB-DE4B-95CE-6DB70DBA9567}" type="datetimeFigureOut">
               <a:rPr lang="en-US" smtClean="0"/>
               <a:pPr/>
-              <a:t>4/21/2016</a:t>
+              <a:t>4/25/2016</a:t>
             </a:fld>
             <a:endParaRPr lang="en-US" dirty="0"/>
           </a:p>
@@ -725,7 +762,7 @@
             <a:fld id="{B61BEF0D-F0BB-DE4B-95CE-6DB70DBA9567}" type="datetimeFigureOut">
               <a:rPr lang="en-US" smtClean="0"/>
               <a:pPr/>
-              <a:t>4/21/2016</a:t>
+              <a:t>4/25/2016</a:t>
             </a:fld>
             <a:endParaRPr lang="en-US" dirty="0"/>
           </a:p>
@@ -1214,7 +1251,7 @@
             <a:fld id="{B61BEF0D-F0BB-DE4B-95CE-6DB70DBA9567}" type="datetimeFigureOut">
               <a:rPr lang="en-US" smtClean="0"/>
               <a:pPr/>
-              <a:t>4/21/2016</a:t>
+              <a:t>4/25/2016</a:t>
             </a:fld>
             <a:endParaRPr lang="en-US" dirty="0"/>
           </a:p>
@@ -1584,7 +1621,7 @@
             <a:fld id="{B61BEF0D-F0BB-DE4B-95CE-6DB70DBA9567}" type="datetimeFigureOut">
               <a:rPr lang="en-US" smtClean="0"/>
               <a:pPr/>
-              <a:t>4/21/2016</a:t>
+              <a:t>4/25/2016</a:t>
             </a:fld>
             <a:endParaRPr lang="en-US" dirty="0"/>
           </a:p>
@@ -1739,7 +1776,7 @@
           <a:ln/>
           <a:extLst>
             <a:ext uri="{91240B29-F687-4f45-9708-019B960494DF}">
-              <a14:hiddenLine xmlns="" xmlns:a14="http://schemas.microsoft.com/office/drawing/2010/main" w="9525">
+              <a14:hiddenLine xmlns:a14="http://schemas.microsoft.com/office/drawing/2010/main" xmlns="" w="9525">
                 <a:solidFill>
                   <a:srgbClr val="000000"/>
                 </a:solidFill>
@@ -1858,7 +1895,7 @@
             <a:fld id="{B61BEF0D-F0BB-DE4B-95CE-6DB70DBA9567}" type="datetimeFigureOut">
               <a:rPr lang="en-US" smtClean="0"/>
               <a:pPr/>
-              <a:t>4/21/2016</a:t>
+              <a:t>4/25/2016</a:t>
             </a:fld>
             <a:endParaRPr lang="en-US" dirty="0"/>
           </a:p>
@@ -2015,7 +2052,7 @@
           <a:ln/>
           <a:extLst>
             <a:ext uri="{91240B29-F687-4f45-9708-019B960494DF}">
-              <a14:hiddenLine xmlns="" xmlns:a14="http://schemas.microsoft.com/office/drawing/2010/main" w="9525">
+              <a14:hiddenLine xmlns:a14="http://schemas.microsoft.com/office/drawing/2010/main" xmlns="" w="9525">
                 <a:solidFill>
                   <a:srgbClr val="000000"/>
                 </a:solidFill>
@@ -2144,7 +2181,7 @@
             <a:fld id="{B61BEF0D-F0BB-DE4B-95CE-6DB70DBA9567}" type="datetimeFigureOut">
               <a:rPr lang="en-US" smtClean="0"/>
               <a:pPr/>
-              <a:t>4/21/2016</a:t>
+              <a:t>4/25/2016</a:t>
             </a:fld>
             <a:endParaRPr lang="en-US" dirty="0"/>
           </a:p>
@@ -2299,7 +2336,7 @@
           <a:ln/>
           <a:extLst>
             <a:ext uri="{91240B29-F687-4f45-9708-019B960494DF}">
-              <a14:hiddenLine xmlns="" xmlns:a14="http://schemas.microsoft.com/office/drawing/2010/main" w="9525">
+              <a14:hiddenLine xmlns:a14="http://schemas.microsoft.com/office/drawing/2010/main" xmlns="" w="9525">
                 <a:solidFill>
                   <a:srgbClr val="000000"/>
                 </a:solidFill>
@@ -2428,7 +2465,7 @@
             <a:fld id="{B61BEF0D-F0BB-DE4B-95CE-6DB70DBA9567}" type="datetimeFigureOut">
               <a:rPr lang="en-US" smtClean="0"/>
               <a:pPr/>
-              <a:t>4/21/2016</a:t>
+              <a:t>4/25/2016</a:t>
             </a:fld>
             <a:endParaRPr lang="en-US" dirty="0"/>
           </a:p>
@@ -2773,7 +2810,7 @@
             <a:fld id="{B61BEF0D-F0BB-DE4B-95CE-6DB70DBA9567}" type="datetimeFigureOut">
               <a:rPr lang="en-US" smtClean="0"/>
               <a:pPr/>
-              <a:t>4/21/2016</a:t>
+              <a:t>4/25/2016</a:t>
             </a:fld>
             <a:endParaRPr lang="en-US" dirty="0"/>
           </a:p>
@@ -2928,7 +2965,7 @@
           <a:ln/>
           <a:extLst>
             <a:ext uri="{91240B29-F687-4f45-9708-019B960494DF}">
-              <a14:hiddenLine xmlns="" xmlns:a14="http://schemas.microsoft.com/office/drawing/2010/main" w="9525">
+              <a14:hiddenLine xmlns:a14="http://schemas.microsoft.com/office/drawing/2010/main" xmlns="" w="9525">
                 <a:solidFill>
                   <a:srgbClr val="000000"/>
                 </a:solidFill>
@@ -3113,7 +3150,7 @@
             <a:fld id="{B61BEF0D-F0BB-DE4B-95CE-6DB70DBA9567}" type="datetimeFigureOut">
               <a:rPr lang="en-US" smtClean="0"/>
               <a:pPr/>
-              <a:t>4/21/2016</a:t>
+              <a:t>4/25/2016</a:t>
             </a:fld>
             <a:endParaRPr lang="en-US" dirty="0"/>
           </a:p>
@@ -3269,7 +3306,7 @@
           <a:ln/>
           <a:extLst>
             <a:ext uri="{91240B29-F687-4f45-9708-019B960494DF}">
-              <a14:hiddenLine xmlns="" xmlns:a14="http://schemas.microsoft.com/office/drawing/2010/main" w="9525">
+              <a14:hiddenLine xmlns:a14="http://schemas.microsoft.com/office/drawing/2010/main" xmlns="" w="9525">
                 <a:solidFill>
                   <a:srgbClr val="000000"/>
                 </a:solidFill>
@@ -3592,7 +3629,7 @@
             <a:fld id="{B61BEF0D-F0BB-DE4B-95CE-6DB70DBA9567}" type="datetimeFigureOut">
               <a:rPr lang="en-US" smtClean="0"/>
               <a:pPr/>
-              <a:t>4/21/2016</a:t>
+              <a:t>4/25/2016</a:t>
             </a:fld>
             <a:endParaRPr lang="en-US" dirty="0"/>
           </a:p>
@@ -3747,7 +3784,7 @@
           <a:ln/>
           <a:extLst>
             <a:ext uri="{91240B29-F687-4f45-9708-019B960494DF}">
-              <a14:hiddenLine xmlns="" xmlns:a14="http://schemas.microsoft.com/office/drawing/2010/main" w="9525">
+              <a14:hiddenLine xmlns:a14="http://schemas.microsoft.com/office/drawing/2010/main" xmlns="" w="9525">
                 <a:solidFill>
                   <a:srgbClr val="000000"/>
                 </a:solidFill>
@@ -3814,7 +3851,7 @@
             <a:fld id="{B61BEF0D-F0BB-DE4B-95CE-6DB70DBA9567}" type="datetimeFigureOut">
               <a:rPr lang="en-US" smtClean="0"/>
               <a:pPr/>
-              <a:t>4/21/2016</a:t>
+              <a:t>4/25/2016</a:t>
             </a:fld>
             <a:endParaRPr lang="en-US" dirty="0"/>
           </a:p>
@@ -3910,7 +3947,7 @@
             <a:fld id="{B61BEF0D-F0BB-DE4B-95CE-6DB70DBA9567}" type="datetimeFigureOut">
               <a:rPr lang="en-US" smtClean="0"/>
               <a:pPr/>
-              <a:t>4/21/2016</a:t>
+              <a:t>4/25/2016</a:t>
             </a:fld>
             <a:endParaRPr lang="en-US" dirty="0"/>
           </a:p>
@@ -4179,7 +4216,7 @@
           <a:ln/>
           <a:extLst>
             <a:ext uri="{91240B29-F687-4f45-9708-019B960494DF}">
-              <a14:hiddenLine xmlns="" xmlns:a14="http://schemas.microsoft.com/office/drawing/2010/main" w="9525">
+              <a14:hiddenLine xmlns:a14="http://schemas.microsoft.com/office/drawing/2010/main" xmlns="" w="9525">
                 <a:solidFill>
                   <a:srgbClr val="000000"/>
                 </a:solidFill>
@@ -4379,7 +4416,7 @@
             <a:fld id="{B61BEF0D-F0BB-DE4B-95CE-6DB70DBA9567}" type="datetimeFigureOut">
               <a:rPr lang="en-US" smtClean="0"/>
               <a:pPr/>
-              <a:t>4/21/2016</a:t>
+              <a:t>4/25/2016</a:t>
             </a:fld>
             <a:endParaRPr lang="en-US" dirty="0"/>
           </a:p>
@@ -4693,7 +4730,7 @@
             <a:fld id="{B61BEF0D-F0BB-DE4B-95CE-6DB70DBA9567}" type="datetimeFigureOut">
               <a:rPr lang="en-US" smtClean="0"/>
               <a:pPr/>
-              <a:t>4/21/2016</a:t>
+              <a:t>4/25/2016</a:t>
             </a:fld>
             <a:endParaRPr lang="en-US" dirty="0"/>
           </a:p>
@@ -4964,7 +5001,7 @@
             <a:fld id="{B61BEF0D-F0BB-DE4B-95CE-6DB70DBA9567}" type="datetimeFigureOut">
               <a:rPr lang="en-US" smtClean="0"/>
               <a:pPr/>
-              <a:t>4/21/2016</a:t>
+              <a:t>4/25/2016</a:t>
             </a:fld>
             <a:endParaRPr lang="en-US" dirty="0"/>
           </a:p>
@@ -5430,11 +5467,7 @@
           <a:p>
             <a:r>
               <a:rPr lang="es-ES" dirty="0" smtClean="0"/>
-              <a:t>Físicas </a:t>
-            </a:r>
-            <a:r>
-              <a:rPr lang="es-ES" dirty="0" smtClean="0"/>
-              <a:t>en Unity3D</a:t>
+              <a:t>Físicas en Unity3D</a:t>
             </a:r>
             <a:endParaRPr lang="es-ES" dirty="0"/>
           </a:p>
@@ -5488,6 +5521,1746 @@
       </p:par>
     </p:tnLst>
   </p:timing>
+</p:sld>
+</file>
+
+<file path=ppt/slides/slide10.xml><?xml version="1.0" encoding="utf-8"?>
+<p:sld xmlns:a="http://schemas.openxmlformats.org/drawingml/2006/main" xmlns:r="http://schemas.openxmlformats.org/officeDocument/2006/relationships" xmlns:p="http://schemas.openxmlformats.org/presentationml/2006/main">
+  <p:cSld>
+    <p:spTree>
+      <p:nvGrpSpPr>
+        <p:cNvPr id="1" name=""/>
+        <p:cNvGrpSpPr/>
+        <p:nvPr/>
+      </p:nvGrpSpPr>
+      <p:grpSpPr>
+        <a:xfrm>
+          <a:off x="0" y="0"/>
+          <a:ext cx="0" cy="0"/>
+          <a:chOff x="0" y="0"/>
+          <a:chExt cx="0" cy="0"/>
+        </a:xfrm>
+      </p:grpSpPr>
+      <p:sp>
+        <p:nvSpPr>
+          <p:cNvPr id="2" name="Título 1"/>
+          <p:cNvSpPr>
+            <a:spLocks noGrp="1"/>
+          </p:cNvSpPr>
+          <p:nvPr>
+            <p:ph type="title"/>
+          </p:nvPr>
+        </p:nvSpPr>
+        <p:spPr/>
+        <p:txBody>
+          <a:bodyPr/>
+          <a:lstStyle/>
+          <a:p>
+            <a:r>
+              <a:rPr lang="es-ES" dirty="0" err="1" smtClean="0"/>
+              <a:t>Raycast</a:t>
+            </a:r>
+            <a:r>
+              <a:rPr lang="es-ES" dirty="0" smtClean="0"/>
+              <a:t>. Ejemplo</a:t>
+            </a:r>
+            <a:endParaRPr lang="es-ES" dirty="0"/>
+          </a:p>
+        </p:txBody>
+      </p:sp>
+      <p:sp>
+        <p:nvSpPr>
+          <p:cNvPr id="3" name="Marcador de contenido 2"/>
+          <p:cNvSpPr>
+            <a:spLocks noGrp="1"/>
+          </p:cNvSpPr>
+          <p:nvPr>
+            <p:ph idx="1"/>
+          </p:nvPr>
+        </p:nvSpPr>
+        <p:spPr>
+          <a:xfrm>
+            <a:off x="818712" y="2222288"/>
+            <a:ext cx="7410888" cy="3041690"/>
+          </a:xfrm>
+        </p:spPr>
+        <p:style>
+          <a:lnRef idx="2">
+            <a:schemeClr val="accent1"/>
+          </a:lnRef>
+          <a:fillRef idx="1">
+            <a:schemeClr val="lt1"/>
+          </a:fillRef>
+          <a:effectRef idx="0">
+            <a:schemeClr val="accent1"/>
+          </a:effectRef>
+          <a:fontRef idx="minor">
+            <a:schemeClr val="dk1"/>
+          </a:fontRef>
+        </p:style>
+        <p:txBody>
+          <a:bodyPr>
+            <a:normAutofit fontScale="62500" lnSpcReduction="20000"/>
+          </a:bodyPr>
+          <a:lstStyle/>
+          <a:p>
+            <a:pPr marL="0" indent="0">
+              <a:buNone/>
+            </a:pPr>
+            <a:r>
+              <a:rPr lang="es-ES" dirty="0" err="1">
+                <a:latin typeface="Consolas" panose="020B0609020204030204" pitchFamily="49" charset="0"/>
+              </a:rPr>
+              <a:t>using</a:t>
+            </a:r>
+            <a:r>
+              <a:rPr lang="es-ES" dirty="0">
+                <a:latin typeface="Consolas" panose="020B0609020204030204" pitchFamily="49" charset="0"/>
+              </a:rPr>
+              <a:t> </a:t>
+            </a:r>
+            <a:r>
+              <a:rPr lang="es-ES" dirty="0" err="1">
+                <a:latin typeface="Consolas" panose="020B0609020204030204" pitchFamily="49" charset="0"/>
+              </a:rPr>
+              <a:t>UnityEngine</a:t>
+            </a:r>
+            <a:r>
+              <a:rPr lang="es-ES" dirty="0">
+                <a:latin typeface="Consolas" panose="020B0609020204030204" pitchFamily="49" charset="0"/>
+              </a:rPr>
+              <a:t>;</a:t>
+            </a:r>
+          </a:p>
+          <a:p>
+            <a:endParaRPr lang="es-ES" dirty="0">
+              <a:latin typeface="Consolas" panose="020B0609020204030204" pitchFamily="49" charset="0"/>
+            </a:endParaRPr>
+          </a:p>
+          <a:p>
+            <a:pPr marL="0" indent="0">
+              <a:buNone/>
+            </a:pPr>
+            <a:r>
+              <a:rPr lang="es-ES" dirty="0" err="1">
+                <a:latin typeface="Consolas" panose="020B0609020204030204" pitchFamily="49" charset="0"/>
+              </a:rPr>
+              <a:t>public</a:t>
+            </a:r>
+            <a:r>
+              <a:rPr lang="es-ES" dirty="0">
+                <a:latin typeface="Consolas" panose="020B0609020204030204" pitchFamily="49" charset="0"/>
+              </a:rPr>
+              <a:t> </a:t>
+            </a:r>
+            <a:r>
+              <a:rPr lang="es-ES" dirty="0" err="1">
+                <a:latin typeface="Consolas" panose="020B0609020204030204" pitchFamily="49" charset="0"/>
+              </a:rPr>
+              <a:t>class</a:t>
+            </a:r>
+            <a:r>
+              <a:rPr lang="es-ES" dirty="0">
+                <a:latin typeface="Consolas" panose="020B0609020204030204" pitchFamily="49" charset="0"/>
+              </a:rPr>
+              <a:t> </a:t>
+            </a:r>
+            <a:r>
+              <a:rPr lang="es-ES" dirty="0" err="1">
+                <a:latin typeface="Consolas" panose="020B0609020204030204" pitchFamily="49" charset="0"/>
+              </a:rPr>
+              <a:t>ExampleClass</a:t>
+            </a:r>
+            <a:r>
+              <a:rPr lang="es-ES" dirty="0">
+                <a:latin typeface="Consolas" panose="020B0609020204030204" pitchFamily="49" charset="0"/>
+              </a:rPr>
+              <a:t> : </a:t>
+            </a:r>
+            <a:r>
+              <a:rPr lang="es-ES" dirty="0" err="1">
+                <a:latin typeface="Consolas" panose="020B0609020204030204" pitchFamily="49" charset="0"/>
+              </a:rPr>
+              <a:t>MonoBehaviour</a:t>
+            </a:r>
+            <a:r>
+              <a:rPr lang="es-ES" dirty="0">
+                <a:latin typeface="Consolas" panose="020B0609020204030204" pitchFamily="49" charset="0"/>
+              </a:rPr>
+              <a:t> </a:t>
+            </a:r>
+          </a:p>
+          <a:p>
+            <a:pPr marL="0" indent="0">
+              <a:buNone/>
+            </a:pPr>
+            <a:r>
+              <a:rPr lang="es-ES" dirty="0">
+                <a:latin typeface="Consolas" panose="020B0609020204030204" pitchFamily="49" charset="0"/>
+              </a:rPr>
+              <a:t>{</a:t>
+            </a:r>
+          </a:p>
+          <a:p>
+            <a:pPr marL="0" indent="0">
+              <a:buNone/>
+            </a:pPr>
+            <a:r>
+              <a:rPr lang="es-ES" dirty="0">
+                <a:latin typeface="Consolas" panose="020B0609020204030204" pitchFamily="49" charset="0"/>
+              </a:rPr>
+              <a:t>    </a:t>
+            </a:r>
+            <a:r>
+              <a:rPr lang="es-ES" dirty="0" err="1">
+                <a:latin typeface="Consolas" panose="020B0609020204030204" pitchFamily="49" charset="0"/>
+              </a:rPr>
+              <a:t>void</a:t>
+            </a:r>
+            <a:r>
+              <a:rPr lang="es-ES" dirty="0">
+                <a:latin typeface="Consolas" panose="020B0609020204030204" pitchFamily="49" charset="0"/>
+              </a:rPr>
+              <a:t> </a:t>
+            </a:r>
+            <a:r>
+              <a:rPr lang="es-ES" dirty="0" err="1">
+                <a:latin typeface="Consolas" panose="020B0609020204030204" pitchFamily="49" charset="0"/>
+              </a:rPr>
+              <a:t>FixedUpdate</a:t>
+            </a:r>
+            <a:r>
+              <a:rPr lang="es-ES" dirty="0">
+                <a:latin typeface="Consolas" panose="020B0609020204030204" pitchFamily="49" charset="0"/>
+              </a:rPr>
+              <a:t>() </a:t>
+            </a:r>
+          </a:p>
+          <a:p>
+            <a:pPr marL="0" indent="0">
+              <a:buNone/>
+            </a:pPr>
+            <a:r>
+              <a:rPr lang="es-ES" dirty="0">
+                <a:latin typeface="Consolas" panose="020B0609020204030204" pitchFamily="49" charset="0"/>
+              </a:rPr>
+              <a:t>    {</a:t>
+            </a:r>
+          </a:p>
+          <a:p>
+            <a:pPr marL="0" indent="0">
+              <a:buNone/>
+            </a:pPr>
+            <a:r>
+              <a:rPr lang="es-ES" dirty="0">
+                <a:latin typeface="Consolas" panose="020B0609020204030204" pitchFamily="49" charset="0"/>
+              </a:rPr>
+              <a:t>        Vector3 </a:t>
+            </a:r>
+            <a:r>
+              <a:rPr lang="es-ES" dirty="0" err="1">
+                <a:latin typeface="Consolas" panose="020B0609020204030204" pitchFamily="49" charset="0"/>
+              </a:rPr>
+              <a:t>fwd</a:t>
+            </a:r>
+            <a:r>
+              <a:rPr lang="es-ES" dirty="0">
+                <a:latin typeface="Consolas" panose="020B0609020204030204" pitchFamily="49" charset="0"/>
+              </a:rPr>
+              <a:t> = </a:t>
+            </a:r>
+            <a:r>
+              <a:rPr lang="es-ES" dirty="0" err="1">
+                <a:latin typeface="Consolas" panose="020B0609020204030204" pitchFamily="49" charset="0"/>
+              </a:rPr>
+              <a:t>transform.TransformDirection</a:t>
+            </a:r>
+            <a:r>
+              <a:rPr lang="es-ES" dirty="0">
+                <a:latin typeface="Consolas" panose="020B0609020204030204" pitchFamily="49" charset="0"/>
+              </a:rPr>
+              <a:t>(Vector3.forward);</a:t>
+            </a:r>
+          </a:p>
+          <a:p>
+            <a:endParaRPr lang="es-ES" dirty="0">
+              <a:latin typeface="Consolas" panose="020B0609020204030204" pitchFamily="49" charset="0"/>
+            </a:endParaRPr>
+          </a:p>
+          <a:p>
+            <a:pPr marL="0" indent="0">
+              <a:buNone/>
+            </a:pPr>
+            <a:r>
+              <a:rPr lang="es-ES" dirty="0">
+                <a:latin typeface="Consolas" panose="020B0609020204030204" pitchFamily="49" charset="0"/>
+              </a:rPr>
+              <a:t>        </a:t>
+            </a:r>
+            <a:r>
+              <a:rPr lang="es-ES" dirty="0" err="1">
+                <a:latin typeface="Consolas" panose="020B0609020204030204" pitchFamily="49" charset="0"/>
+              </a:rPr>
+              <a:t>if</a:t>
+            </a:r>
+            <a:r>
+              <a:rPr lang="es-ES" dirty="0">
+                <a:latin typeface="Consolas" panose="020B0609020204030204" pitchFamily="49" charset="0"/>
+              </a:rPr>
+              <a:t> (</a:t>
+            </a:r>
+            <a:r>
+              <a:rPr lang="es-ES" dirty="0" err="1">
+                <a:latin typeface="Consolas" panose="020B0609020204030204" pitchFamily="49" charset="0"/>
+              </a:rPr>
+              <a:t>Physics.Raycast</a:t>
+            </a:r>
+            <a:r>
+              <a:rPr lang="es-ES" dirty="0">
+                <a:latin typeface="Consolas" panose="020B0609020204030204" pitchFamily="49" charset="0"/>
+              </a:rPr>
+              <a:t>(</a:t>
+            </a:r>
+            <a:r>
+              <a:rPr lang="es-ES" dirty="0" err="1">
+                <a:latin typeface="Consolas" panose="020B0609020204030204" pitchFamily="49" charset="0"/>
+              </a:rPr>
+              <a:t>transform.position</a:t>
+            </a:r>
+            <a:r>
+              <a:rPr lang="es-ES" dirty="0">
+                <a:latin typeface="Consolas" panose="020B0609020204030204" pitchFamily="49" charset="0"/>
+              </a:rPr>
+              <a:t>, </a:t>
+            </a:r>
+            <a:r>
+              <a:rPr lang="es-ES" dirty="0" err="1">
+                <a:latin typeface="Consolas" panose="020B0609020204030204" pitchFamily="49" charset="0"/>
+              </a:rPr>
+              <a:t>fwd</a:t>
+            </a:r>
+            <a:r>
+              <a:rPr lang="es-ES" dirty="0">
+                <a:latin typeface="Consolas" panose="020B0609020204030204" pitchFamily="49" charset="0"/>
+              </a:rPr>
+              <a:t>, 10)) </a:t>
+            </a:r>
+          </a:p>
+          <a:p>
+            <a:pPr marL="0" indent="0">
+              <a:buNone/>
+            </a:pPr>
+            <a:r>
+              <a:rPr lang="es-ES" dirty="0">
+                <a:latin typeface="Consolas" panose="020B0609020204030204" pitchFamily="49" charset="0"/>
+              </a:rPr>
+              <a:t>            </a:t>
+            </a:r>
+            <a:r>
+              <a:rPr lang="es-ES" dirty="0" err="1">
+                <a:latin typeface="Consolas" panose="020B0609020204030204" pitchFamily="49" charset="0"/>
+              </a:rPr>
+              <a:t>print</a:t>
+            </a:r>
+            <a:r>
+              <a:rPr lang="es-ES" dirty="0" smtClean="0">
+                <a:latin typeface="Consolas" panose="020B0609020204030204" pitchFamily="49" charset="0"/>
+              </a:rPr>
+              <a:t>(“Objeto delante a menos de 10!");</a:t>
+            </a:r>
+            <a:endParaRPr lang="es-ES" dirty="0">
+              <a:latin typeface="Consolas" panose="020B0609020204030204" pitchFamily="49" charset="0"/>
+            </a:endParaRPr>
+          </a:p>
+          <a:p>
+            <a:pPr marL="0" indent="0">
+              <a:buNone/>
+            </a:pPr>
+            <a:r>
+              <a:rPr lang="es-ES" dirty="0" smtClean="0">
+                <a:latin typeface="Consolas" panose="020B0609020204030204" pitchFamily="49" charset="0"/>
+              </a:rPr>
+              <a:t>   </a:t>
+            </a:r>
+            <a:r>
+              <a:rPr lang="es-ES" dirty="0">
+                <a:latin typeface="Consolas" panose="020B0609020204030204" pitchFamily="49" charset="0"/>
+              </a:rPr>
+              <a:t>}</a:t>
+            </a:r>
+          </a:p>
+          <a:p>
+            <a:pPr marL="0" indent="0">
+              <a:buNone/>
+            </a:pPr>
+            <a:r>
+              <a:rPr lang="es-ES" dirty="0">
+                <a:latin typeface="Consolas" panose="020B0609020204030204" pitchFamily="49" charset="0"/>
+              </a:rPr>
+              <a:t>}</a:t>
+            </a:r>
+          </a:p>
+        </p:txBody>
+      </p:sp>
+      <p:sp>
+        <p:nvSpPr>
+          <p:cNvPr id="6" name="Rectángulo 5"/>
+          <p:cNvSpPr/>
+          <p:nvPr/>
+        </p:nvSpPr>
+        <p:spPr>
+          <a:xfrm>
+            <a:off x="1538228" y="109462"/>
+            <a:ext cx="6326659" cy="2123658"/>
+          </a:xfrm>
+          <a:prstGeom prst="rect">
+            <a:avLst/>
+          </a:prstGeom>
+        </p:spPr>
+        <p:style>
+          <a:lnRef idx="2">
+            <a:schemeClr val="accent1"/>
+          </a:lnRef>
+          <a:fillRef idx="1">
+            <a:schemeClr val="lt1"/>
+          </a:fillRef>
+          <a:effectRef idx="0">
+            <a:schemeClr val="accent1"/>
+          </a:effectRef>
+          <a:fontRef idx="minor">
+            <a:schemeClr val="dk1"/>
+          </a:fontRef>
+        </p:style>
+        <p:txBody>
+          <a:bodyPr wrap="square">
+            <a:spAutoFit/>
+          </a:bodyPr>
+          <a:lstStyle/>
+          <a:p>
+            <a:r>
+              <a:rPr lang="es-ES" sz="1100" dirty="0" err="1">
+                <a:latin typeface="Consolas" panose="020B0609020204030204" pitchFamily="49" charset="0"/>
+              </a:rPr>
+              <a:t>using</a:t>
+            </a:r>
+            <a:r>
+              <a:rPr lang="es-ES" sz="1100" dirty="0">
+                <a:latin typeface="Consolas" panose="020B0609020204030204" pitchFamily="49" charset="0"/>
+              </a:rPr>
+              <a:t> </a:t>
+            </a:r>
+            <a:r>
+              <a:rPr lang="es-ES" sz="1100" dirty="0" err="1">
+                <a:latin typeface="Consolas" panose="020B0609020204030204" pitchFamily="49" charset="0"/>
+              </a:rPr>
+              <a:t>UnityEngine</a:t>
+            </a:r>
+            <a:r>
+              <a:rPr lang="es-ES" sz="1100" dirty="0">
+                <a:latin typeface="Consolas" panose="020B0609020204030204" pitchFamily="49" charset="0"/>
+              </a:rPr>
+              <a:t>;</a:t>
+            </a:r>
+          </a:p>
+          <a:p>
+            <a:endParaRPr lang="es-ES" sz="1100" dirty="0">
+              <a:latin typeface="Consolas" panose="020B0609020204030204" pitchFamily="49" charset="0"/>
+            </a:endParaRPr>
+          </a:p>
+          <a:p>
+            <a:r>
+              <a:rPr lang="es-ES" sz="1100" dirty="0" err="1">
+                <a:latin typeface="Consolas" panose="020B0609020204030204" pitchFamily="49" charset="0"/>
+              </a:rPr>
+              <a:t>public</a:t>
+            </a:r>
+            <a:r>
+              <a:rPr lang="es-ES" sz="1100" dirty="0">
+                <a:latin typeface="Consolas" panose="020B0609020204030204" pitchFamily="49" charset="0"/>
+              </a:rPr>
+              <a:t> </a:t>
+            </a:r>
+            <a:r>
+              <a:rPr lang="es-ES" sz="1100" dirty="0" err="1">
+                <a:latin typeface="Consolas" panose="020B0609020204030204" pitchFamily="49" charset="0"/>
+              </a:rPr>
+              <a:t>class</a:t>
+            </a:r>
+            <a:r>
+              <a:rPr lang="es-ES" sz="1100" dirty="0">
+                <a:latin typeface="Consolas" panose="020B0609020204030204" pitchFamily="49" charset="0"/>
+              </a:rPr>
+              <a:t> </a:t>
+            </a:r>
+            <a:r>
+              <a:rPr lang="es-ES" sz="1100" dirty="0" err="1">
+                <a:latin typeface="Consolas" panose="020B0609020204030204" pitchFamily="49" charset="0"/>
+              </a:rPr>
+              <a:t>RaycastExample</a:t>
+            </a:r>
+            <a:r>
+              <a:rPr lang="es-ES" sz="1100" dirty="0">
+                <a:latin typeface="Consolas" panose="020B0609020204030204" pitchFamily="49" charset="0"/>
+              </a:rPr>
+              <a:t> : </a:t>
+            </a:r>
+            <a:r>
+              <a:rPr lang="es-ES" sz="1100" dirty="0" err="1">
+                <a:latin typeface="Consolas" panose="020B0609020204030204" pitchFamily="49" charset="0"/>
+              </a:rPr>
+              <a:t>MonoBehaviour</a:t>
+            </a:r>
+            <a:endParaRPr lang="es-ES" sz="1100" dirty="0">
+              <a:latin typeface="Consolas" panose="020B0609020204030204" pitchFamily="49" charset="0"/>
+            </a:endParaRPr>
+          </a:p>
+          <a:p>
+            <a:r>
+              <a:rPr lang="es-ES" sz="1100" dirty="0">
+                <a:latin typeface="Consolas" panose="020B0609020204030204" pitchFamily="49" charset="0"/>
+              </a:rPr>
+              <a:t>{</a:t>
+            </a:r>
+          </a:p>
+          <a:p>
+            <a:r>
+              <a:rPr lang="es-ES" sz="1100" dirty="0" smtClean="0">
+                <a:latin typeface="Consolas" panose="020B0609020204030204" pitchFamily="49" charset="0"/>
+              </a:rPr>
+              <a:t>    </a:t>
+            </a:r>
+            <a:r>
+              <a:rPr lang="es-ES" sz="1100" dirty="0" err="1">
+                <a:latin typeface="Consolas" panose="020B0609020204030204" pitchFamily="49" charset="0"/>
+              </a:rPr>
+              <a:t>void</a:t>
+            </a:r>
+            <a:r>
+              <a:rPr lang="es-ES" sz="1100" dirty="0">
+                <a:latin typeface="Consolas" panose="020B0609020204030204" pitchFamily="49" charset="0"/>
+              </a:rPr>
+              <a:t> </a:t>
+            </a:r>
+            <a:r>
+              <a:rPr lang="es-ES" sz="1100" dirty="0" err="1">
+                <a:latin typeface="Consolas" panose="020B0609020204030204" pitchFamily="49" charset="0"/>
+              </a:rPr>
+              <a:t>FixedUpdate</a:t>
+            </a:r>
+            <a:r>
+              <a:rPr lang="es-ES" sz="1100" dirty="0">
+                <a:latin typeface="Consolas" panose="020B0609020204030204" pitchFamily="49" charset="0"/>
+              </a:rPr>
+              <a:t>()</a:t>
+            </a:r>
+          </a:p>
+          <a:p>
+            <a:r>
+              <a:rPr lang="es-ES" sz="1100" dirty="0">
+                <a:latin typeface="Consolas" panose="020B0609020204030204" pitchFamily="49" charset="0"/>
+              </a:rPr>
+              <a:t>    {</a:t>
+            </a:r>
+          </a:p>
+          <a:p>
+            <a:r>
+              <a:rPr lang="es-ES" sz="1100" dirty="0">
+                <a:latin typeface="Consolas" panose="020B0609020204030204" pitchFamily="49" charset="0"/>
+              </a:rPr>
+              <a:t>        </a:t>
+            </a:r>
+            <a:r>
+              <a:rPr lang="es-ES" sz="1100" dirty="0" err="1">
+                <a:latin typeface="Consolas" panose="020B0609020204030204" pitchFamily="49" charset="0"/>
+              </a:rPr>
+              <a:t>RaycastHit</a:t>
+            </a:r>
+            <a:r>
+              <a:rPr lang="es-ES" sz="1100" dirty="0">
+                <a:latin typeface="Consolas" panose="020B0609020204030204" pitchFamily="49" charset="0"/>
+              </a:rPr>
+              <a:t> hit;</a:t>
+            </a:r>
+          </a:p>
+          <a:p>
+            <a:endParaRPr lang="es-ES" sz="1100" dirty="0">
+              <a:latin typeface="Consolas" panose="020B0609020204030204" pitchFamily="49" charset="0"/>
+            </a:endParaRPr>
+          </a:p>
+          <a:p>
+            <a:r>
+              <a:rPr lang="es-ES" sz="1100" dirty="0">
+                <a:latin typeface="Consolas" panose="020B0609020204030204" pitchFamily="49" charset="0"/>
+              </a:rPr>
+              <a:t>        </a:t>
+            </a:r>
+            <a:r>
+              <a:rPr lang="es-ES" sz="1100" dirty="0" err="1">
+                <a:latin typeface="Consolas" panose="020B0609020204030204" pitchFamily="49" charset="0"/>
+              </a:rPr>
+              <a:t>if</a:t>
+            </a:r>
+            <a:r>
+              <a:rPr lang="es-ES" sz="1100" dirty="0">
+                <a:latin typeface="Consolas" panose="020B0609020204030204" pitchFamily="49" charset="0"/>
+              </a:rPr>
+              <a:t> (</a:t>
+            </a:r>
+            <a:r>
+              <a:rPr lang="es-ES" sz="1100" dirty="0" err="1">
+                <a:latin typeface="Consolas" panose="020B0609020204030204" pitchFamily="49" charset="0"/>
+              </a:rPr>
+              <a:t>Physics.Raycast</a:t>
+            </a:r>
+            <a:r>
+              <a:rPr lang="es-ES" sz="1100" dirty="0">
+                <a:latin typeface="Consolas" panose="020B0609020204030204" pitchFamily="49" charset="0"/>
+              </a:rPr>
+              <a:t>(</a:t>
+            </a:r>
+            <a:r>
+              <a:rPr lang="es-ES" sz="1100" dirty="0" err="1">
+                <a:latin typeface="Consolas" panose="020B0609020204030204" pitchFamily="49" charset="0"/>
+              </a:rPr>
+              <a:t>transform.position</a:t>
+            </a:r>
+            <a:r>
+              <a:rPr lang="es-ES" sz="1100" dirty="0">
+                <a:latin typeface="Consolas" panose="020B0609020204030204" pitchFamily="49" charset="0"/>
+              </a:rPr>
+              <a:t>, -Vector3.up, </a:t>
+            </a:r>
+            <a:r>
+              <a:rPr lang="es-ES" sz="1100" dirty="0" err="1">
+                <a:latin typeface="Consolas" panose="020B0609020204030204" pitchFamily="49" charset="0"/>
+              </a:rPr>
+              <a:t>out</a:t>
+            </a:r>
+            <a:r>
+              <a:rPr lang="es-ES" sz="1100" dirty="0">
+                <a:latin typeface="Consolas" panose="020B0609020204030204" pitchFamily="49" charset="0"/>
+              </a:rPr>
+              <a:t> hit))</a:t>
+            </a:r>
+          </a:p>
+          <a:p>
+            <a:r>
+              <a:rPr lang="es-ES" sz="1100" dirty="0">
+                <a:latin typeface="Consolas" panose="020B0609020204030204" pitchFamily="49" charset="0"/>
+              </a:rPr>
+              <a:t>            </a:t>
+            </a:r>
+            <a:r>
+              <a:rPr lang="es-ES" sz="1100" dirty="0" err="1">
+                <a:latin typeface="Consolas" panose="020B0609020204030204" pitchFamily="49" charset="0"/>
+              </a:rPr>
+              <a:t>print</a:t>
+            </a:r>
+            <a:r>
+              <a:rPr lang="es-ES" sz="1100" dirty="0" smtClean="0">
+                <a:latin typeface="Consolas" panose="020B0609020204030204" pitchFamily="49" charset="0"/>
+              </a:rPr>
+              <a:t>(“Objeto a: </a:t>
+            </a:r>
+            <a:r>
+              <a:rPr lang="es-ES" sz="1100" dirty="0">
+                <a:latin typeface="Consolas" panose="020B0609020204030204" pitchFamily="49" charset="0"/>
+              </a:rPr>
+              <a:t>" + </a:t>
+            </a:r>
+            <a:r>
+              <a:rPr lang="es-ES" sz="1100" dirty="0" err="1">
+                <a:latin typeface="Consolas" panose="020B0609020204030204" pitchFamily="49" charset="0"/>
+              </a:rPr>
+              <a:t>hit.distance</a:t>
+            </a:r>
+            <a:r>
+              <a:rPr lang="es-ES" sz="1100" dirty="0">
+                <a:latin typeface="Consolas" panose="020B0609020204030204" pitchFamily="49" charset="0"/>
+              </a:rPr>
+              <a:t>);</a:t>
+            </a:r>
+          </a:p>
+          <a:p>
+            <a:r>
+              <a:rPr lang="es-ES" sz="1100" dirty="0">
+                <a:latin typeface="Consolas" panose="020B0609020204030204" pitchFamily="49" charset="0"/>
+              </a:rPr>
+              <a:t>    }</a:t>
+            </a:r>
+          </a:p>
+          <a:p>
+            <a:r>
+              <a:rPr lang="es-ES" sz="1100" dirty="0">
+                <a:latin typeface="Consolas" panose="020B0609020204030204" pitchFamily="49" charset="0"/>
+              </a:rPr>
+              <a:t>}</a:t>
+            </a:r>
+          </a:p>
+        </p:txBody>
+      </p:sp>
+    </p:spTree>
+    <p:extLst>
+      <p:ext uri="{BB962C8B-B14F-4D97-AF65-F5344CB8AC3E}">
+        <p14:creationId xmlns:p14="http://schemas.microsoft.com/office/powerpoint/2010/main" val="2973030314"/>
+      </p:ext>
+    </p:extLst>
+  </p:cSld>
+  <p:clrMapOvr>
+    <a:masterClrMapping/>
+  </p:clrMapOvr>
+  <p:timing>
+    <p:tnLst>
+      <p:par>
+        <p:cTn id="1" dur="indefinite" restart="never" nodeType="tmRoot"/>
+      </p:par>
+    </p:tnLst>
+  </p:timing>
+</p:sld>
+</file>
+
+<file path=ppt/slides/slide11.xml><?xml version="1.0" encoding="utf-8"?>
+<p:sld xmlns:a="http://schemas.openxmlformats.org/drawingml/2006/main" xmlns:r="http://schemas.openxmlformats.org/officeDocument/2006/relationships" xmlns:p="http://schemas.openxmlformats.org/presentationml/2006/main">
+  <p:cSld>
+    <p:spTree>
+      <p:nvGrpSpPr>
+        <p:cNvPr id="1" name=""/>
+        <p:cNvGrpSpPr/>
+        <p:nvPr/>
+      </p:nvGrpSpPr>
+      <p:grpSpPr>
+        <a:xfrm>
+          <a:off x="0" y="0"/>
+          <a:ext cx="0" cy="0"/>
+          <a:chOff x="0" y="0"/>
+          <a:chExt cx="0" cy="0"/>
+        </a:xfrm>
+      </p:grpSpPr>
+      <p:sp>
+        <p:nvSpPr>
+          <p:cNvPr id="2" name="Título 1"/>
+          <p:cNvSpPr>
+            <a:spLocks noGrp="1"/>
+          </p:cNvSpPr>
+          <p:nvPr>
+            <p:ph type="title"/>
+          </p:nvPr>
+        </p:nvSpPr>
+        <p:spPr/>
+        <p:txBody>
+          <a:bodyPr/>
+          <a:lstStyle/>
+          <a:p>
+            <a:r>
+              <a:rPr lang="es-ES" dirty="0" err="1" smtClean="0"/>
+              <a:t>RayCast</a:t>
+            </a:r>
+            <a:r>
+              <a:rPr lang="es-ES" dirty="0" smtClean="0"/>
+              <a:t>. </a:t>
+            </a:r>
+            <a:r>
+              <a:rPr lang="es-ES" dirty="0" err="1" smtClean="0"/>
+              <a:t>RaycastHit</a:t>
+            </a:r>
+            <a:endParaRPr lang="es-ES" dirty="0"/>
+          </a:p>
+        </p:txBody>
+      </p:sp>
+      <p:sp>
+        <p:nvSpPr>
+          <p:cNvPr id="3" name="Marcador de contenido 2"/>
+          <p:cNvSpPr>
+            <a:spLocks noGrp="1"/>
+          </p:cNvSpPr>
+          <p:nvPr>
+            <p:ph idx="1"/>
+          </p:nvPr>
+        </p:nvSpPr>
+        <p:spPr/>
+        <p:txBody>
+          <a:bodyPr/>
+          <a:lstStyle/>
+          <a:p>
+            <a:r>
+              <a:rPr lang="es-ES" dirty="0" smtClean="0"/>
+              <a:t>Cuando colisiona un objeto y nos interesa información sobre los elementos colisionados.</a:t>
+            </a:r>
+          </a:p>
+          <a:p>
+            <a:r>
+              <a:rPr lang="es-ES" dirty="0" smtClean="0"/>
+              <a:t>El objeto </a:t>
+            </a:r>
+            <a:r>
+              <a:rPr lang="es-ES" dirty="0" err="1" smtClean="0"/>
+              <a:t>RaycastHit</a:t>
+            </a:r>
+            <a:r>
+              <a:rPr lang="es-ES" dirty="0" smtClean="0"/>
+              <a:t> guarda información del </a:t>
+            </a:r>
+            <a:r>
+              <a:rPr lang="es-ES" dirty="0" err="1" smtClean="0"/>
+              <a:t>Collider</a:t>
+            </a:r>
+            <a:r>
+              <a:rPr lang="es-ES" dirty="0" smtClean="0"/>
+              <a:t> y la información asociada a la colisión con el rayo.</a:t>
+            </a:r>
+          </a:p>
+          <a:p>
+            <a:pPr lvl="1"/>
+            <a:r>
+              <a:rPr lang="es-ES" dirty="0" err="1" smtClean="0"/>
+              <a:t>Collider</a:t>
+            </a:r>
+            <a:r>
+              <a:rPr lang="es-ES" dirty="0" smtClean="0"/>
+              <a:t>, distancia, punto (</a:t>
+            </a:r>
+            <a:r>
+              <a:rPr lang="es-ES" dirty="0" err="1" smtClean="0"/>
+              <a:t>WordSpace</a:t>
+            </a:r>
+            <a:r>
+              <a:rPr lang="es-ES" dirty="0" smtClean="0"/>
+              <a:t>), </a:t>
+            </a:r>
+            <a:r>
+              <a:rPr lang="es-ES" dirty="0" err="1" smtClean="0"/>
+              <a:t>transform</a:t>
+            </a:r>
+            <a:r>
+              <a:rPr lang="es-ES" dirty="0" smtClean="0"/>
+              <a:t> (del objeto colisionado) </a:t>
+            </a:r>
+          </a:p>
+          <a:p>
+            <a:r>
+              <a:rPr lang="es-ES" dirty="0" smtClean="0"/>
+              <a:t>Los rayos lanzados desde el interior de un </a:t>
+            </a:r>
+            <a:r>
+              <a:rPr lang="es-ES" dirty="0" err="1" smtClean="0"/>
+              <a:t>Collider</a:t>
+            </a:r>
+            <a:r>
+              <a:rPr lang="es-ES" dirty="0" smtClean="0"/>
+              <a:t> no son detectados en el mismo.</a:t>
+            </a:r>
+            <a:endParaRPr lang="es-ES" dirty="0"/>
+          </a:p>
+        </p:txBody>
+      </p:sp>
+    </p:spTree>
+    <p:extLst>
+      <p:ext uri="{BB962C8B-B14F-4D97-AF65-F5344CB8AC3E}">
+        <p14:creationId xmlns:p14="http://schemas.microsoft.com/office/powerpoint/2010/main" val="1947191153"/>
+      </p:ext>
+    </p:extLst>
+  </p:cSld>
+  <p:clrMapOvr>
+    <a:masterClrMapping/>
+  </p:clrMapOvr>
+  <p:timing>
+    <p:tnLst>
+      <p:par>
+        <p:cTn id="1" dur="indefinite" restart="never" nodeType="tmRoot"/>
+      </p:par>
+    </p:tnLst>
+  </p:timing>
+</p:sld>
+</file>
+
+<file path=ppt/slides/slide12.xml><?xml version="1.0" encoding="utf-8"?>
+<p:sld xmlns:a="http://schemas.openxmlformats.org/drawingml/2006/main" xmlns:r="http://schemas.openxmlformats.org/officeDocument/2006/relationships" xmlns:p="http://schemas.openxmlformats.org/presentationml/2006/main">
+  <p:cSld>
+    <p:spTree>
+      <p:nvGrpSpPr>
+        <p:cNvPr id="1" name=""/>
+        <p:cNvGrpSpPr/>
+        <p:nvPr/>
+      </p:nvGrpSpPr>
+      <p:grpSpPr>
+        <a:xfrm>
+          <a:off x="0" y="0"/>
+          <a:ext cx="0" cy="0"/>
+          <a:chOff x="0" y="0"/>
+          <a:chExt cx="0" cy="0"/>
+        </a:xfrm>
+      </p:grpSpPr>
+      <p:sp>
+        <p:nvSpPr>
+          <p:cNvPr id="2" name="Título 1"/>
+          <p:cNvSpPr>
+            <a:spLocks noGrp="1"/>
+          </p:cNvSpPr>
+          <p:nvPr>
+            <p:ph type="title"/>
+          </p:nvPr>
+        </p:nvSpPr>
+        <p:spPr/>
+        <p:txBody>
+          <a:bodyPr/>
+          <a:lstStyle/>
+          <a:p>
+            <a:r>
+              <a:rPr lang="es-ES" dirty="0" err="1" smtClean="0"/>
+              <a:t>Raycast</a:t>
+            </a:r>
+            <a:r>
+              <a:rPr lang="es-ES" dirty="0" smtClean="0"/>
+              <a:t>. </a:t>
+            </a:r>
+            <a:r>
+              <a:rPr lang="es-ES" dirty="0" err="1" smtClean="0"/>
+              <a:t>From</a:t>
+            </a:r>
+            <a:r>
+              <a:rPr lang="es-ES" dirty="0" smtClean="0"/>
+              <a:t> Camera</a:t>
+            </a:r>
+            <a:endParaRPr lang="es-ES" dirty="0"/>
+          </a:p>
+        </p:txBody>
+      </p:sp>
+      <p:sp>
+        <p:nvSpPr>
+          <p:cNvPr id="3" name="Marcador de contenido 2"/>
+          <p:cNvSpPr>
+            <a:spLocks noGrp="1"/>
+          </p:cNvSpPr>
+          <p:nvPr>
+            <p:ph idx="1"/>
+          </p:nvPr>
+        </p:nvSpPr>
+        <p:spPr/>
+        <p:txBody>
+          <a:bodyPr/>
+          <a:lstStyle/>
+          <a:p>
+            <a:r>
+              <a:rPr lang="es-ES" dirty="0" smtClean="0"/>
+              <a:t>Es posible lanzar rayos desde una cámara, para ello sólo debemos consultar a la cámara e indicar el método </a:t>
+            </a:r>
+            <a:r>
+              <a:rPr lang="es-ES" dirty="0" err="1" smtClean="0"/>
+              <a:t>ScreenPointToRay</a:t>
+            </a:r>
+            <a:r>
+              <a:rPr lang="es-ES" dirty="0" smtClean="0"/>
+              <a:t>(Vector2 </a:t>
+            </a:r>
+            <a:r>
+              <a:rPr lang="es-ES" dirty="0" err="1" smtClean="0"/>
+              <a:t>postion</a:t>
+            </a:r>
+            <a:r>
+              <a:rPr lang="es-ES" dirty="0" smtClean="0"/>
+              <a:t>);</a:t>
+            </a:r>
+          </a:p>
+          <a:p>
+            <a:r>
+              <a:rPr lang="es-ES" dirty="0" smtClean="0"/>
+              <a:t>Es el caso típico de seleccionar objetos desde el ratón sin emplear el modelo de eventos.</a:t>
+            </a:r>
+          </a:p>
+          <a:p>
+            <a:r>
+              <a:rPr lang="es-ES" dirty="0" smtClean="0"/>
+              <a:t>Se puede lanzar desde cualquier cámara, no necesariamente la principal, ni si quiera tiene porque ser </a:t>
+            </a:r>
+            <a:r>
+              <a:rPr lang="es-ES" dirty="0" err="1" smtClean="0"/>
+              <a:t>renderizada</a:t>
+            </a:r>
+            <a:r>
+              <a:rPr lang="es-ES" dirty="0" smtClean="0"/>
+              <a:t>.</a:t>
+            </a:r>
+          </a:p>
+          <a:p>
+            <a:endParaRPr lang="es-ES" dirty="0" smtClean="0"/>
+          </a:p>
+          <a:p>
+            <a:endParaRPr lang="es-ES" dirty="0"/>
+          </a:p>
+        </p:txBody>
+      </p:sp>
+    </p:spTree>
+    <p:extLst>
+      <p:ext uri="{BB962C8B-B14F-4D97-AF65-F5344CB8AC3E}">
+        <p14:creationId xmlns:p14="http://schemas.microsoft.com/office/powerpoint/2010/main" val="277577793"/>
+      </p:ext>
+    </p:extLst>
+  </p:cSld>
+  <p:clrMapOvr>
+    <a:masterClrMapping/>
+  </p:clrMapOvr>
+  <p:timing>
+    <p:tnLst>
+      <p:par>
+        <p:cTn id="1" dur="indefinite" restart="never" nodeType="tmRoot"/>
+      </p:par>
+    </p:tnLst>
+  </p:timing>
+</p:sld>
+</file>
+
+<file path=ppt/slides/slide13.xml><?xml version="1.0" encoding="utf-8"?>
+<p:sld xmlns:a="http://schemas.openxmlformats.org/drawingml/2006/main" xmlns:r="http://schemas.openxmlformats.org/officeDocument/2006/relationships" xmlns:p="http://schemas.openxmlformats.org/presentationml/2006/main">
+  <p:cSld>
+    <p:spTree>
+      <p:nvGrpSpPr>
+        <p:cNvPr id="1" name=""/>
+        <p:cNvGrpSpPr/>
+        <p:nvPr/>
+      </p:nvGrpSpPr>
+      <p:grpSpPr>
+        <a:xfrm>
+          <a:off x="0" y="0"/>
+          <a:ext cx="0" cy="0"/>
+          <a:chOff x="0" y="0"/>
+          <a:chExt cx="0" cy="0"/>
+        </a:xfrm>
+      </p:grpSpPr>
+      <p:sp>
+        <p:nvSpPr>
+          <p:cNvPr id="2" name="Título 1"/>
+          <p:cNvSpPr>
+            <a:spLocks noGrp="1"/>
+          </p:cNvSpPr>
+          <p:nvPr>
+            <p:ph type="title"/>
+          </p:nvPr>
+        </p:nvSpPr>
+        <p:spPr/>
+        <p:txBody>
+          <a:bodyPr/>
+          <a:lstStyle/>
+          <a:p>
+            <a:r>
+              <a:rPr lang="es-ES" dirty="0" err="1" smtClean="0"/>
+              <a:t>Joints</a:t>
+            </a:r>
+            <a:endParaRPr lang="es-ES" dirty="0"/>
+          </a:p>
+        </p:txBody>
+      </p:sp>
+      <p:sp>
+        <p:nvSpPr>
+          <p:cNvPr id="3" name="Marcador de contenido 2"/>
+          <p:cNvSpPr>
+            <a:spLocks noGrp="1"/>
+          </p:cNvSpPr>
+          <p:nvPr>
+            <p:ph idx="1"/>
+          </p:nvPr>
+        </p:nvSpPr>
+        <p:spPr/>
+        <p:txBody>
+          <a:bodyPr/>
+          <a:lstStyle/>
+          <a:p>
+            <a:r>
+              <a:rPr lang="es-ES" dirty="0" smtClean="0"/>
+              <a:t>Representan uniones entre cuerpos rígidos que les permiten ciertos grados de libertad de movimiento</a:t>
+            </a:r>
+          </a:p>
+          <a:p>
+            <a:r>
+              <a:rPr lang="es-ES" dirty="0" smtClean="0"/>
+              <a:t>Tienen unos umbrales de rotura para representar momentos en los cuales los objetos se pueden desenlazar.</a:t>
+            </a:r>
+          </a:p>
+          <a:p>
+            <a:r>
+              <a:rPr lang="es-ES" dirty="0" smtClean="0"/>
+              <a:t>Existen varios tipos de uniones entre cuerpos</a:t>
+            </a:r>
+          </a:p>
+          <a:p>
+            <a:pPr lvl="1"/>
+            <a:r>
+              <a:rPr lang="es-ES" dirty="0" err="1" smtClean="0"/>
+              <a:t>FixedJoint</a:t>
+            </a:r>
+            <a:endParaRPr lang="es-ES" dirty="0" smtClean="0"/>
+          </a:p>
+          <a:p>
+            <a:pPr lvl="1"/>
+            <a:r>
+              <a:rPr lang="es-ES" dirty="0" err="1" smtClean="0"/>
+              <a:t>SpringJoint</a:t>
+            </a:r>
+            <a:endParaRPr lang="es-ES" dirty="0" smtClean="0"/>
+          </a:p>
+          <a:p>
+            <a:pPr lvl="1"/>
+            <a:r>
+              <a:rPr lang="es-ES" dirty="0" err="1" smtClean="0"/>
+              <a:t>HingeJoint</a:t>
+            </a:r>
+            <a:endParaRPr lang="es-ES" dirty="0" smtClean="0"/>
+          </a:p>
+          <a:p>
+            <a:pPr lvl="1"/>
+            <a:r>
+              <a:rPr lang="es-ES" dirty="0" err="1" smtClean="0"/>
+              <a:t>CharacterJoint</a:t>
+            </a:r>
+            <a:endParaRPr lang="es-ES" dirty="0" smtClean="0"/>
+          </a:p>
+          <a:p>
+            <a:pPr lvl="1"/>
+            <a:r>
+              <a:rPr lang="es-ES" dirty="0" err="1" smtClean="0"/>
+              <a:t>ConfigurableJoint</a:t>
+            </a:r>
+            <a:endParaRPr lang="es-ES" dirty="0"/>
+          </a:p>
+        </p:txBody>
+      </p:sp>
+    </p:spTree>
+    <p:extLst>
+      <p:ext uri="{BB962C8B-B14F-4D97-AF65-F5344CB8AC3E}">
+        <p14:creationId xmlns:p14="http://schemas.microsoft.com/office/powerpoint/2010/main" val="1964901547"/>
+      </p:ext>
+    </p:extLst>
+  </p:cSld>
+  <p:clrMapOvr>
+    <a:masterClrMapping/>
+  </p:clrMapOvr>
+  <p:timing>
+    <p:tnLst>
+      <p:par>
+        <p:cTn id="1" dur="indefinite" restart="never" nodeType="tmRoot"/>
+      </p:par>
+    </p:tnLst>
+  </p:timing>
+</p:sld>
+</file>
+
+<file path=ppt/slides/slide14.xml><?xml version="1.0" encoding="utf-8"?>
+<p:sld xmlns:a="http://schemas.openxmlformats.org/drawingml/2006/main" xmlns:r="http://schemas.openxmlformats.org/officeDocument/2006/relationships" xmlns:p="http://schemas.openxmlformats.org/presentationml/2006/main">
+  <p:cSld>
+    <p:spTree>
+      <p:nvGrpSpPr>
+        <p:cNvPr id="1" name=""/>
+        <p:cNvGrpSpPr/>
+        <p:nvPr/>
+      </p:nvGrpSpPr>
+      <p:grpSpPr>
+        <a:xfrm>
+          <a:off x="0" y="0"/>
+          <a:ext cx="0" cy="0"/>
+          <a:chOff x="0" y="0"/>
+          <a:chExt cx="0" cy="0"/>
+        </a:xfrm>
+      </p:grpSpPr>
+      <p:sp>
+        <p:nvSpPr>
+          <p:cNvPr id="2" name="Título 1"/>
+          <p:cNvSpPr>
+            <a:spLocks noGrp="1"/>
+          </p:cNvSpPr>
+          <p:nvPr>
+            <p:ph type="title"/>
+          </p:nvPr>
+        </p:nvSpPr>
+        <p:spPr/>
+        <p:txBody>
+          <a:bodyPr/>
+          <a:lstStyle/>
+          <a:p>
+            <a:r>
+              <a:rPr lang="es-ES" dirty="0" err="1" smtClean="0"/>
+              <a:t>SpringJoint</a:t>
+            </a:r>
+            <a:endParaRPr lang="es-ES" dirty="0"/>
+          </a:p>
+        </p:txBody>
+      </p:sp>
+      <p:sp>
+        <p:nvSpPr>
+          <p:cNvPr id="3" name="Marcador de contenido 2"/>
+          <p:cNvSpPr>
+            <a:spLocks noGrp="1"/>
+          </p:cNvSpPr>
+          <p:nvPr>
+            <p:ph idx="1"/>
+          </p:nvPr>
+        </p:nvSpPr>
+        <p:spPr>
+          <a:xfrm>
+            <a:off x="818712" y="2222287"/>
+            <a:ext cx="6832918" cy="3636511"/>
+          </a:xfrm>
+        </p:spPr>
+        <p:txBody>
+          <a:bodyPr/>
+          <a:lstStyle/>
+          <a:p>
+            <a:r>
+              <a:rPr lang="es-ES" dirty="0" smtClean="0"/>
+              <a:t>Permite el movimiento de los objetos conectados dentro de unos límites.</a:t>
+            </a:r>
+          </a:p>
+          <a:p>
+            <a:r>
+              <a:rPr lang="es-ES" dirty="0" smtClean="0"/>
+              <a:t>Presenta una fuerza que el objeto presenta para moverse de su posición de equilibrio.</a:t>
+            </a:r>
+          </a:p>
+          <a:p>
+            <a:r>
+              <a:rPr lang="es-ES" dirty="0" smtClean="0"/>
+              <a:t>Admite una configuración de libertad de movimiento en un rango.</a:t>
+            </a:r>
+            <a:endParaRPr lang="es-ES" dirty="0"/>
+          </a:p>
+        </p:txBody>
+      </p:sp>
+      <p:pic>
+        <p:nvPicPr>
+          <p:cNvPr id="1026" name="Picture 2" descr="http://docs.unity3d.com/uploads/Main/Inspector-SpringJoint.png"/>
+          <p:cNvPicPr>
+            <a:picLocks noChangeAspect="1" noChangeArrowheads="1"/>
+          </p:cNvPicPr>
+          <p:nvPr/>
+        </p:nvPicPr>
+        <p:blipFill>
+          <a:blip r:embed="rId2">
+            <a:extLst>
+              <a:ext uri="{28A0092B-C50C-407E-A947-70E740481C1C}">
+                <a14:useLocalDpi xmlns:a14="http://schemas.microsoft.com/office/drawing/2010/main" val="0"/>
+              </a:ext>
+            </a:extLst>
+          </a:blip>
+          <a:srcRect/>
+          <a:stretch>
+            <a:fillRect/>
+          </a:stretch>
+        </p:blipFill>
+        <p:spPr bwMode="auto">
+          <a:xfrm>
+            <a:off x="7651630" y="2304780"/>
+            <a:ext cx="2638425" cy="2743201"/>
+          </a:xfrm>
+          <a:prstGeom prst="rect">
+            <a:avLst/>
+          </a:prstGeom>
+          <a:noFill/>
+          <a:extLst>
+            <a:ext uri="{909E8E84-426E-40DD-AFC4-6F175D3DCCD1}">
+              <a14:hiddenFill xmlns:a14="http://schemas.microsoft.com/office/drawing/2010/main">
+                <a:solidFill>
+                  <a:srgbClr val="FFFFFF"/>
+                </a:solidFill>
+              </a14:hiddenFill>
+            </a:ext>
+          </a:extLst>
+        </p:spPr>
+      </p:pic>
+    </p:spTree>
+    <p:extLst>
+      <p:ext uri="{BB962C8B-B14F-4D97-AF65-F5344CB8AC3E}">
+        <p14:creationId xmlns:p14="http://schemas.microsoft.com/office/powerpoint/2010/main" val="2873881915"/>
+      </p:ext>
+    </p:extLst>
+  </p:cSld>
+  <p:clrMapOvr>
+    <a:masterClrMapping/>
+  </p:clrMapOvr>
+</p:sld>
+</file>
+
+<file path=ppt/slides/slide15.xml><?xml version="1.0" encoding="utf-8"?>
+<p:sld xmlns:a="http://schemas.openxmlformats.org/drawingml/2006/main" xmlns:r="http://schemas.openxmlformats.org/officeDocument/2006/relationships" xmlns:p="http://schemas.openxmlformats.org/presentationml/2006/main">
+  <p:cSld>
+    <p:spTree>
+      <p:nvGrpSpPr>
+        <p:cNvPr id="1" name=""/>
+        <p:cNvGrpSpPr/>
+        <p:nvPr/>
+      </p:nvGrpSpPr>
+      <p:grpSpPr>
+        <a:xfrm>
+          <a:off x="0" y="0"/>
+          <a:ext cx="0" cy="0"/>
+          <a:chOff x="0" y="0"/>
+          <a:chExt cx="0" cy="0"/>
+        </a:xfrm>
+      </p:grpSpPr>
+      <p:sp>
+        <p:nvSpPr>
+          <p:cNvPr id="2" name="Título 1"/>
+          <p:cNvSpPr>
+            <a:spLocks noGrp="1"/>
+          </p:cNvSpPr>
+          <p:nvPr>
+            <p:ph type="title"/>
+          </p:nvPr>
+        </p:nvSpPr>
+        <p:spPr/>
+        <p:txBody>
+          <a:bodyPr/>
+          <a:lstStyle/>
+          <a:p>
+            <a:r>
+              <a:rPr lang="es-ES" dirty="0" err="1" smtClean="0"/>
+              <a:t>FixedJoint</a:t>
+            </a:r>
+            <a:endParaRPr lang="es-ES" dirty="0"/>
+          </a:p>
+        </p:txBody>
+      </p:sp>
+      <p:sp>
+        <p:nvSpPr>
+          <p:cNvPr id="3" name="Marcador de contenido 2"/>
+          <p:cNvSpPr>
+            <a:spLocks noGrp="1"/>
+          </p:cNvSpPr>
+          <p:nvPr>
+            <p:ph idx="1"/>
+          </p:nvPr>
+        </p:nvSpPr>
+        <p:spPr/>
+        <p:txBody>
+          <a:bodyPr/>
+          <a:lstStyle/>
+          <a:p>
+            <a:r>
+              <a:rPr lang="es-ES" dirty="0" smtClean="0"/>
+              <a:t>Es una unión como la de una jerarquía.</a:t>
+            </a:r>
+          </a:p>
+          <a:p>
+            <a:r>
+              <a:rPr lang="es-ES" dirty="0" smtClean="0"/>
+              <a:t>Se configura el punto de unión y las fuerzas que permiten romper esta unión.</a:t>
+            </a:r>
+          </a:p>
+          <a:p>
+            <a:r>
+              <a:rPr lang="es-ES" dirty="0" smtClean="0"/>
+              <a:t>No da grados de libertad de movimiento.</a:t>
+            </a:r>
+          </a:p>
+          <a:p>
+            <a:r>
+              <a:rPr lang="es-ES" dirty="0" smtClean="0"/>
+              <a:t>Permite anclarse a otros </a:t>
+            </a:r>
+            <a:r>
+              <a:rPr lang="es-ES" dirty="0" err="1" smtClean="0"/>
+              <a:t>rigidbodies</a:t>
+            </a:r>
+            <a:r>
+              <a:rPr lang="es-ES" dirty="0" smtClean="0"/>
+              <a:t> o (si no se especifica) a la posición del mundo donde se encuentre el objeto en ese instante</a:t>
+            </a:r>
+          </a:p>
+        </p:txBody>
+      </p:sp>
+      <p:pic>
+        <p:nvPicPr>
+          <p:cNvPr id="4" name="Imagen 3"/>
+          <p:cNvPicPr>
+            <a:picLocks noChangeAspect="1"/>
+          </p:cNvPicPr>
+          <p:nvPr/>
+        </p:nvPicPr>
+        <p:blipFill>
+          <a:blip r:embed="rId2"/>
+          <a:stretch>
+            <a:fillRect/>
+          </a:stretch>
+        </p:blipFill>
+        <p:spPr>
+          <a:xfrm>
+            <a:off x="5808992" y="1812535"/>
+            <a:ext cx="3524250" cy="1076325"/>
+          </a:xfrm>
+          <a:prstGeom prst="rect">
+            <a:avLst/>
+          </a:prstGeom>
+        </p:spPr>
+      </p:pic>
+    </p:spTree>
+    <p:extLst>
+      <p:ext uri="{BB962C8B-B14F-4D97-AF65-F5344CB8AC3E}">
+        <p14:creationId xmlns:p14="http://schemas.microsoft.com/office/powerpoint/2010/main" val="3776361086"/>
+      </p:ext>
+    </p:extLst>
+  </p:cSld>
+  <p:clrMapOvr>
+    <a:masterClrMapping/>
+  </p:clrMapOvr>
+</p:sld>
+</file>
+
+<file path=ppt/slides/slide16.xml><?xml version="1.0" encoding="utf-8"?>
+<p:sld xmlns:a="http://schemas.openxmlformats.org/drawingml/2006/main" xmlns:r="http://schemas.openxmlformats.org/officeDocument/2006/relationships" xmlns:p="http://schemas.openxmlformats.org/presentationml/2006/main">
+  <p:cSld>
+    <p:spTree>
+      <p:nvGrpSpPr>
+        <p:cNvPr id="1" name=""/>
+        <p:cNvGrpSpPr/>
+        <p:nvPr/>
+      </p:nvGrpSpPr>
+      <p:grpSpPr>
+        <a:xfrm>
+          <a:off x="0" y="0"/>
+          <a:ext cx="0" cy="0"/>
+          <a:chOff x="0" y="0"/>
+          <a:chExt cx="0" cy="0"/>
+        </a:xfrm>
+      </p:grpSpPr>
+      <p:sp>
+        <p:nvSpPr>
+          <p:cNvPr id="2" name="Título 1"/>
+          <p:cNvSpPr>
+            <a:spLocks noGrp="1"/>
+          </p:cNvSpPr>
+          <p:nvPr>
+            <p:ph type="title"/>
+          </p:nvPr>
+        </p:nvSpPr>
+        <p:spPr/>
+        <p:txBody>
+          <a:bodyPr/>
+          <a:lstStyle/>
+          <a:p>
+            <a:r>
+              <a:rPr lang="es-ES" dirty="0" err="1" smtClean="0"/>
+              <a:t>HingeJoint</a:t>
+            </a:r>
+            <a:endParaRPr lang="es-ES" dirty="0"/>
+          </a:p>
+        </p:txBody>
+      </p:sp>
+      <p:sp>
+        <p:nvSpPr>
+          <p:cNvPr id="3" name="Marcador de contenido 2"/>
+          <p:cNvSpPr>
+            <a:spLocks noGrp="1"/>
+          </p:cNvSpPr>
+          <p:nvPr>
+            <p:ph idx="1"/>
+          </p:nvPr>
+        </p:nvSpPr>
+        <p:spPr>
+          <a:xfrm>
+            <a:off x="818711" y="2222287"/>
+            <a:ext cx="6220443" cy="4394173"/>
+          </a:xfrm>
+        </p:spPr>
+        <p:txBody>
+          <a:bodyPr/>
+          <a:lstStyle/>
+          <a:p>
+            <a:r>
+              <a:rPr lang="es-ES" dirty="0" smtClean="0"/>
+              <a:t>Representa una bisagra.</a:t>
+            </a:r>
+          </a:p>
+          <a:p>
+            <a:r>
+              <a:rPr lang="es-ES" dirty="0" smtClean="0"/>
+              <a:t>Permite la rotación sobre un eje con n grados de movimiento.</a:t>
+            </a:r>
+          </a:p>
+          <a:p>
+            <a:r>
+              <a:rPr lang="es-ES" dirty="0" smtClean="0"/>
+              <a:t>Admite efectos de muelle y de motor</a:t>
+            </a:r>
+          </a:p>
+          <a:p>
+            <a:pPr lvl="1"/>
+            <a:r>
+              <a:rPr lang="es-ES" dirty="0" smtClean="0"/>
+              <a:t>Muelle marca una posición de reposo a la cual intenta llegar el cuerpo.</a:t>
+            </a:r>
+          </a:p>
+          <a:p>
+            <a:pPr lvl="1"/>
+            <a:r>
+              <a:rPr lang="es-ES" dirty="0" smtClean="0"/>
+              <a:t>Motor marca una velocidad de rotación que el objeto intenta alcanzar.</a:t>
+            </a:r>
+            <a:endParaRPr lang="es-ES" dirty="0"/>
+          </a:p>
+        </p:txBody>
+      </p:sp>
+      <p:pic>
+        <p:nvPicPr>
+          <p:cNvPr id="4" name="Imagen 3"/>
+          <p:cNvPicPr>
+            <a:picLocks noChangeAspect="1"/>
+          </p:cNvPicPr>
+          <p:nvPr/>
+        </p:nvPicPr>
+        <p:blipFill>
+          <a:blip r:embed="rId2"/>
+          <a:stretch>
+            <a:fillRect/>
+          </a:stretch>
+        </p:blipFill>
+        <p:spPr>
+          <a:xfrm>
+            <a:off x="7271529" y="1193352"/>
+            <a:ext cx="3790950" cy="4667250"/>
+          </a:xfrm>
+          <a:prstGeom prst="rect">
+            <a:avLst/>
+          </a:prstGeom>
+        </p:spPr>
+      </p:pic>
+    </p:spTree>
+    <p:extLst>
+      <p:ext uri="{BB962C8B-B14F-4D97-AF65-F5344CB8AC3E}">
+        <p14:creationId xmlns:p14="http://schemas.microsoft.com/office/powerpoint/2010/main" val="886901866"/>
+      </p:ext>
+    </p:extLst>
+  </p:cSld>
+  <p:clrMapOvr>
+    <a:masterClrMapping/>
+  </p:clrMapOvr>
+</p:sld>
+</file>
+
+<file path=ppt/slides/slide17.xml><?xml version="1.0" encoding="utf-8"?>
+<p:sld xmlns:a="http://schemas.openxmlformats.org/drawingml/2006/main" xmlns:r="http://schemas.openxmlformats.org/officeDocument/2006/relationships" xmlns:p="http://schemas.openxmlformats.org/presentationml/2006/main">
+  <p:cSld>
+    <p:spTree>
+      <p:nvGrpSpPr>
+        <p:cNvPr id="1" name=""/>
+        <p:cNvGrpSpPr/>
+        <p:nvPr/>
+      </p:nvGrpSpPr>
+      <p:grpSpPr>
+        <a:xfrm>
+          <a:off x="0" y="0"/>
+          <a:ext cx="0" cy="0"/>
+          <a:chOff x="0" y="0"/>
+          <a:chExt cx="0" cy="0"/>
+        </a:xfrm>
+      </p:grpSpPr>
+      <p:sp>
+        <p:nvSpPr>
+          <p:cNvPr id="2" name="Título 1"/>
+          <p:cNvSpPr>
+            <a:spLocks noGrp="1"/>
+          </p:cNvSpPr>
+          <p:nvPr>
+            <p:ph type="title"/>
+          </p:nvPr>
+        </p:nvSpPr>
+        <p:spPr/>
+        <p:txBody>
+          <a:bodyPr/>
+          <a:lstStyle/>
+          <a:p>
+            <a:r>
+              <a:rPr lang="es-ES" dirty="0" err="1" smtClean="0"/>
+              <a:t>CharacterJoint</a:t>
+            </a:r>
+            <a:r>
+              <a:rPr lang="es-ES" dirty="0" smtClean="0"/>
+              <a:t>	</a:t>
+            </a:r>
+            <a:endParaRPr lang="es-ES" dirty="0"/>
+          </a:p>
+        </p:txBody>
+      </p:sp>
+      <p:sp>
+        <p:nvSpPr>
+          <p:cNvPr id="3" name="Marcador de contenido 2"/>
+          <p:cNvSpPr>
+            <a:spLocks noGrp="1"/>
+          </p:cNvSpPr>
+          <p:nvPr>
+            <p:ph idx="1"/>
+          </p:nvPr>
+        </p:nvSpPr>
+        <p:spPr/>
+        <p:txBody>
+          <a:bodyPr/>
+          <a:lstStyle/>
+          <a:p>
+            <a:r>
+              <a:rPr lang="es-ES" dirty="0" smtClean="0"/>
+              <a:t>Es empleado por el modelo </a:t>
+            </a:r>
+            <a:r>
+              <a:rPr lang="es-ES" dirty="0" err="1" smtClean="0"/>
+              <a:t>RagDoll</a:t>
+            </a:r>
+            <a:r>
+              <a:rPr lang="es-ES" dirty="0" smtClean="0"/>
+              <a:t> para movimiento de articulaciones en humanos (o similares)</a:t>
+            </a:r>
+          </a:p>
+          <a:p>
+            <a:r>
+              <a:rPr lang="es-ES" dirty="0" smtClean="0"/>
+              <a:t>Permite límites de rotación y traslación que bloqueen la unión de dos </a:t>
+            </a:r>
+            <a:r>
+              <a:rPr lang="es-ES" dirty="0" err="1" smtClean="0"/>
+              <a:t>rigidbodies</a:t>
+            </a:r>
+            <a:r>
+              <a:rPr lang="es-ES" dirty="0" smtClean="0"/>
+              <a:t> unidos por medio de conexiones de tipo </a:t>
+            </a:r>
+            <a:r>
+              <a:rPr lang="es-ES" dirty="0" err="1" smtClean="0"/>
+              <a:t>Character</a:t>
+            </a:r>
+            <a:r>
+              <a:rPr lang="es-ES" dirty="0" smtClean="0"/>
+              <a:t>.</a:t>
+            </a:r>
+          </a:p>
+          <a:p>
+            <a:endParaRPr lang="es-ES" dirty="0" smtClean="0"/>
+          </a:p>
+          <a:p>
+            <a:endParaRPr lang="es-ES" dirty="0"/>
+          </a:p>
+        </p:txBody>
+      </p:sp>
+    </p:spTree>
+    <p:extLst>
+      <p:ext uri="{BB962C8B-B14F-4D97-AF65-F5344CB8AC3E}">
+        <p14:creationId xmlns:p14="http://schemas.microsoft.com/office/powerpoint/2010/main" val="2058644177"/>
+      </p:ext>
+    </p:extLst>
+  </p:cSld>
+  <p:clrMapOvr>
+    <a:masterClrMapping/>
+  </p:clrMapOvr>
+</p:sld>
+</file>
+
+<file path=ppt/slides/slide18.xml><?xml version="1.0" encoding="utf-8"?>
+<p:sld xmlns:a="http://schemas.openxmlformats.org/drawingml/2006/main" xmlns:r="http://schemas.openxmlformats.org/officeDocument/2006/relationships" xmlns:p="http://schemas.openxmlformats.org/presentationml/2006/main">
+  <p:cSld>
+    <p:spTree>
+      <p:nvGrpSpPr>
+        <p:cNvPr id="1" name=""/>
+        <p:cNvGrpSpPr/>
+        <p:nvPr/>
+      </p:nvGrpSpPr>
+      <p:grpSpPr>
+        <a:xfrm>
+          <a:off x="0" y="0"/>
+          <a:ext cx="0" cy="0"/>
+          <a:chOff x="0" y="0"/>
+          <a:chExt cx="0" cy="0"/>
+        </a:xfrm>
+      </p:grpSpPr>
+      <p:sp>
+        <p:nvSpPr>
+          <p:cNvPr id="2" name="Título 1"/>
+          <p:cNvSpPr>
+            <a:spLocks noGrp="1"/>
+          </p:cNvSpPr>
+          <p:nvPr>
+            <p:ph type="title"/>
+          </p:nvPr>
+        </p:nvSpPr>
+        <p:spPr/>
+        <p:txBody>
+          <a:bodyPr/>
+          <a:lstStyle/>
+          <a:p>
+            <a:r>
+              <a:rPr lang="es-ES" dirty="0" err="1" smtClean="0"/>
+              <a:t>RagDoll</a:t>
+            </a:r>
+            <a:endParaRPr lang="es-ES" dirty="0"/>
+          </a:p>
+        </p:txBody>
+      </p:sp>
+      <p:sp>
+        <p:nvSpPr>
+          <p:cNvPr id="3" name="Marcador de contenido 2"/>
+          <p:cNvSpPr>
+            <a:spLocks noGrp="1"/>
+          </p:cNvSpPr>
+          <p:nvPr>
+            <p:ph idx="1"/>
+          </p:nvPr>
+        </p:nvSpPr>
+        <p:spPr/>
+        <p:txBody>
+          <a:bodyPr/>
+          <a:lstStyle/>
+          <a:p>
+            <a:r>
+              <a:rPr lang="es-ES" dirty="0" smtClean="0"/>
+              <a:t>Representa un cuerpo sometido a las fuerzas de la gravedad y que se puede mover con determinados grados de libertad una vez que se le aplican fuerzas.</a:t>
+            </a:r>
+          </a:p>
+          <a:p>
+            <a:r>
+              <a:rPr lang="es-ES" dirty="0" smtClean="0"/>
+              <a:t>Se asocia </a:t>
+            </a:r>
+            <a:r>
+              <a:rPr lang="es-ES" dirty="0"/>
+              <a:t>a mallas de tipo </a:t>
+            </a:r>
+            <a:r>
+              <a:rPr lang="es-ES" dirty="0" err="1" smtClean="0"/>
+              <a:t>SkinnedMeshRenderer</a:t>
+            </a:r>
+            <a:endParaRPr lang="es-ES" dirty="0" smtClean="0"/>
+          </a:p>
+          <a:p>
+            <a:r>
+              <a:rPr lang="es-ES" dirty="0" smtClean="0"/>
+              <a:t>Existe un </a:t>
+            </a:r>
+            <a:r>
+              <a:rPr lang="es-ES" dirty="0" err="1" smtClean="0"/>
+              <a:t>Wizard</a:t>
+            </a:r>
+            <a:r>
+              <a:rPr lang="es-ES" dirty="0" smtClean="0"/>
+              <a:t> para establecer de modo sencillo un modelo de </a:t>
+            </a:r>
+            <a:r>
+              <a:rPr lang="es-ES" dirty="0" err="1" smtClean="0"/>
+              <a:t>ragdoll</a:t>
+            </a:r>
+            <a:r>
+              <a:rPr lang="es-ES" dirty="0" smtClean="0"/>
+              <a:t> a un personaje.</a:t>
+            </a:r>
+            <a:endParaRPr lang="es-ES" dirty="0"/>
+          </a:p>
+          <a:p>
+            <a:endParaRPr lang="es-ES" dirty="0"/>
+          </a:p>
+        </p:txBody>
+      </p:sp>
+    </p:spTree>
+    <p:extLst>
+      <p:ext uri="{BB962C8B-B14F-4D97-AF65-F5344CB8AC3E}">
+        <p14:creationId xmlns:p14="http://schemas.microsoft.com/office/powerpoint/2010/main" val="2034105199"/>
+      </p:ext>
+    </p:extLst>
+  </p:cSld>
+  <p:clrMapOvr>
+    <a:masterClrMapping/>
+  </p:clrMapOvr>
 </p:sld>
 </file>
 
@@ -6425,6 +8198,789 @@
     <p:extLst>
       <p:ext uri="{BB962C8B-B14F-4D97-AF65-F5344CB8AC3E}">
         <p14:creationId xmlns:p14="http://schemas.microsoft.com/office/powerpoint/2010/main" val="1951883337"/>
+      </p:ext>
+    </p:extLst>
+  </p:cSld>
+  <p:clrMapOvr>
+    <a:masterClrMapping/>
+  </p:clrMapOvr>
+  <p:timing>
+    <p:tnLst>
+      <p:par>
+        <p:cTn id="1" dur="indefinite" restart="never" nodeType="tmRoot"/>
+      </p:par>
+    </p:tnLst>
+  </p:timing>
+</p:sld>
+</file>
+
+<file path=ppt/slides/slide8.xml><?xml version="1.0" encoding="utf-8"?>
+<p:sld xmlns:a="http://schemas.openxmlformats.org/drawingml/2006/main" xmlns:r="http://schemas.openxmlformats.org/officeDocument/2006/relationships" xmlns:p="http://schemas.openxmlformats.org/presentationml/2006/main">
+  <p:cSld>
+    <p:spTree>
+      <p:nvGrpSpPr>
+        <p:cNvPr id="1" name=""/>
+        <p:cNvGrpSpPr/>
+        <p:nvPr/>
+      </p:nvGrpSpPr>
+      <p:grpSpPr>
+        <a:xfrm>
+          <a:off x="0" y="0"/>
+          <a:ext cx="0" cy="0"/>
+          <a:chOff x="0" y="0"/>
+          <a:chExt cx="0" cy="0"/>
+        </a:xfrm>
+      </p:grpSpPr>
+      <p:sp>
+        <p:nvSpPr>
+          <p:cNvPr id="2" name="Título 1"/>
+          <p:cNvSpPr>
+            <a:spLocks noGrp="1"/>
+          </p:cNvSpPr>
+          <p:nvPr>
+            <p:ph type="title"/>
+          </p:nvPr>
+        </p:nvSpPr>
+        <p:spPr/>
+        <p:txBody>
+          <a:bodyPr/>
+          <a:lstStyle/>
+          <a:p>
+            <a:r>
+              <a:rPr lang="es-ES" dirty="0" err="1" smtClean="0"/>
+              <a:t>RayCast</a:t>
+            </a:r>
+            <a:endParaRPr lang="es-ES" dirty="0"/>
+          </a:p>
+        </p:txBody>
+      </p:sp>
+      <p:sp>
+        <p:nvSpPr>
+          <p:cNvPr id="3" name="Marcador de contenido 2"/>
+          <p:cNvSpPr>
+            <a:spLocks noGrp="1"/>
+          </p:cNvSpPr>
+          <p:nvPr>
+            <p:ph idx="1"/>
+          </p:nvPr>
+        </p:nvSpPr>
+        <p:spPr/>
+        <p:txBody>
+          <a:bodyPr/>
+          <a:lstStyle/>
+          <a:p>
+            <a:r>
+              <a:rPr lang="es-ES" dirty="0" smtClean="0"/>
+              <a:t>Ligado al motor de físicas y los </a:t>
+            </a:r>
+            <a:r>
+              <a:rPr lang="es-ES" dirty="0" err="1" smtClean="0"/>
+              <a:t>colliders</a:t>
+            </a:r>
+            <a:endParaRPr lang="es-ES" dirty="0" smtClean="0"/>
+          </a:p>
+          <a:p>
+            <a:r>
+              <a:rPr lang="es-ES" dirty="0" smtClean="0"/>
+              <a:t>Representa el proceso de lanzar un rayo desde un punto y calcular los elementos con los cuales interseca su trayectoria</a:t>
+            </a:r>
+          </a:p>
+          <a:p>
+            <a:r>
+              <a:rPr lang="es-ES" dirty="0" smtClean="0"/>
+              <a:t>Se accede desde dos puntos:</a:t>
+            </a:r>
+          </a:p>
+          <a:p>
+            <a:pPr lvl="1"/>
+            <a:r>
+              <a:rPr lang="es-ES" dirty="0" smtClean="0"/>
+              <a:t>Una cámara</a:t>
+            </a:r>
+          </a:p>
+          <a:p>
+            <a:pPr lvl="1"/>
+            <a:r>
+              <a:rPr lang="es-ES" dirty="0" smtClean="0"/>
+              <a:t>La librería de </a:t>
+            </a:r>
+            <a:r>
+              <a:rPr lang="es-ES" b="1" dirty="0" err="1" smtClean="0">
+                <a:hlinkClick r:id="rId2"/>
+              </a:rPr>
+              <a:t>Physics</a:t>
+            </a:r>
+            <a:r>
+              <a:rPr lang="es-ES" b="1" dirty="0" err="1" smtClean="0"/>
+              <a:t>.Raycast</a:t>
+            </a:r>
+            <a:endParaRPr lang="es-ES" b="1" dirty="0" smtClean="0"/>
+          </a:p>
+          <a:p>
+            <a:r>
+              <a:rPr lang="es-ES" dirty="0" smtClean="0"/>
+              <a:t>La traza de rayos de apoya en el elemento </a:t>
+            </a:r>
+            <a:r>
+              <a:rPr lang="es-ES" dirty="0" err="1" smtClean="0"/>
+              <a:t>Ray</a:t>
+            </a:r>
+            <a:r>
+              <a:rPr lang="es-ES" dirty="0" smtClean="0"/>
+              <a:t>, fijado por un punto y una dirección</a:t>
+            </a:r>
+            <a:endParaRPr lang="es-ES" dirty="0"/>
+          </a:p>
+        </p:txBody>
+      </p:sp>
+    </p:spTree>
+    <p:extLst>
+      <p:ext uri="{BB962C8B-B14F-4D97-AF65-F5344CB8AC3E}">
+        <p14:creationId xmlns:p14="http://schemas.microsoft.com/office/powerpoint/2010/main" val="3280646054"/>
+      </p:ext>
+    </p:extLst>
+  </p:cSld>
+  <p:clrMapOvr>
+    <a:masterClrMapping/>
+  </p:clrMapOvr>
+  <p:timing>
+    <p:tnLst>
+      <p:par>
+        <p:cTn id="1" dur="indefinite" restart="never" nodeType="tmRoot"/>
+      </p:par>
+    </p:tnLst>
+  </p:timing>
+</p:sld>
+</file>
+
+<file path=ppt/slides/slide9.xml><?xml version="1.0" encoding="utf-8"?>
+<p:sld xmlns:a="http://schemas.openxmlformats.org/drawingml/2006/main" xmlns:r="http://schemas.openxmlformats.org/officeDocument/2006/relationships" xmlns:p="http://schemas.openxmlformats.org/presentationml/2006/main">
+  <p:cSld>
+    <p:spTree>
+      <p:nvGrpSpPr>
+        <p:cNvPr id="1" name=""/>
+        <p:cNvGrpSpPr/>
+        <p:nvPr/>
+      </p:nvGrpSpPr>
+      <p:grpSpPr>
+        <a:xfrm>
+          <a:off x="0" y="0"/>
+          <a:ext cx="0" cy="0"/>
+          <a:chOff x="0" y="0"/>
+          <a:chExt cx="0" cy="0"/>
+        </a:xfrm>
+      </p:grpSpPr>
+      <p:sp>
+        <p:nvSpPr>
+          <p:cNvPr id="2" name="Título 1"/>
+          <p:cNvSpPr>
+            <a:spLocks noGrp="1"/>
+          </p:cNvSpPr>
+          <p:nvPr>
+            <p:ph type="title"/>
+          </p:nvPr>
+        </p:nvSpPr>
+        <p:spPr/>
+        <p:txBody>
+          <a:bodyPr/>
+          <a:lstStyle/>
+          <a:p>
+            <a:r>
+              <a:rPr lang="es-ES" dirty="0" err="1" smtClean="0"/>
+              <a:t>Raycast</a:t>
+            </a:r>
+            <a:r>
+              <a:rPr lang="es-ES" dirty="0" smtClean="0"/>
+              <a:t>. Métodos</a:t>
+            </a:r>
+            <a:endParaRPr lang="es-ES" dirty="0"/>
+          </a:p>
+        </p:txBody>
+      </p:sp>
+      <p:sp>
+        <p:nvSpPr>
+          <p:cNvPr id="3" name="Marcador de contenido 2"/>
+          <p:cNvSpPr>
+            <a:spLocks noGrp="1"/>
+          </p:cNvSpPr>
+          <p:nvPr>
+            <p:ph idx="1"/>
+          </p:nvPr>
+        </p:nvSpPr>
+        <p:spPr/>
+        <p:txBody>
+          <a:bodyPr>
+            <a:normAutofit/>
+          </a:bodyPr>
+          <a:lstStyle/>
+          <a:p>
+            <a:pPr marL="0" indent="0">
+              <a:spcAft>
+                <a:spcPts val="0"/>
+              </a:spcAft>
+              <a:buNone/>
+            </a:pPr>
+            <a:r>
+              <a:rPr lang="es-ES" dirty="0" err="1">
+                <a:latin typeface="Consolas" panose="020B0609020204030204" pitchFamily="49" charset="0"/>
+              </a:rPr>
+              <a:t>public</a:t>
+            </a:r>
+            <a:r>
+              <a:rPr lang="es-ES" dirty="0">
+                <a:latin typeface="Consolas" panose="020B0609020204030204" pitchFamily="49" charset="0"/>
+              </a:rPr>
+              <a:t> </a:t>
+            </a:r>
+            <a:r>
+              <a:rPr lang="es-ES" dirty="0" err="1">
+                <a:latin typeface="Consolas" panose="020B0609020204030204" pitchFamily="49" charset="0"/>
+              </a:rPr>
+              <a:t>static</a:t>
+            </a:r>
+            <a:r>
+              <a:rPr lang="es-ES" dirty="0">
+                <a:latin typeface="Consolas" panose="020B0609020204030204" pitchFamily="49" charset="0"/>
+              </a:rPr>
+              <a:t> </a:t>
+            </a:r>
+            <a:r>
+              <a:rPr lang="es-ES" dirty="0" err="1">
+                <a:latin typeface="Consolas" panose="020B0609020204030204" pitchFamily="49" charset="0"/>
+              </a:rPr>
+              <a:t>bool</a:t>
+            </a:r>
+            <a:r>
+              <a:rPr lang="es-ES" dirty="0">
+                <a:latin typeface="Consolas" panose="020B0609020204030204" pitchFamily="49" charset="0"/>
+              </a:rPr>
+              <a:t> </a:t>
+            </a:r>
+            <a:r>
+              <a:rPr lang="es-ES" b="1" dirty="0" err="1">
+                <a:latin typeface="Consolas" panose="020B0609020204030204" pitchFamily="49" charset="0"/>
+              </a:rPr>
+              <a:t>Raycast</a:t>
+            </a:r>
+            <a:r>
+              <a:rPr lang="es-ES" dirty="0" smtClean="0">
+                <a:latin typeface="Consolas" panose="020B0609020204030204" pitchFamily="49" charset="0"/>
+              </a:rPr>
+              <a:t>(</a:t>
+            </a:r>
+          </a:p>
+          <a:p>
+            <a:pPr marL="400050" lvl="1" indent="0">
+              <a:spcAft>
+                <a:spcPts val="0"/>
+              </a:spcAft>
+              <a:buNone/>
+            </a:pPr>
+            <a:r>
+              <a:rPr lang="es-ES" u="sng" dirty="0" smtClean="0">
+                <a:latin typeface="Consolas" panose="020B0609020204030204" pitchFamily="49" charset="0"/>
+                <a:hlinkClick r:id="rId2"/>
+              </a:rPr>
+              <a:t>Vector3</a:t>
+            </a:r>
+            <a:r>
+              <a:rPr lang="es-ES" u="sng" dirty="0">
+                <a:latin typeface="Consolas" panose="020B0609020204030204" pitchFamily="49" charset="0"/>
+                <a:hlinkClick r:id="rId2"/>
+              </a:rPr>
+              <a:t> </a:t>
+            </a:r>
+            <a:r>
+              <a:rPr lang="es-ES" b="1" dirty="0" err="1">
+                <a:latin typeface="Consolas" panose="020B0609020204030204" pitchFamily="49" charset="0"/>
+              </a:rPr>
+              <a:t>origin</a:t>
+            </a:r>
+            <a:r>
+              <a:rPr lang="es-ES" dirty="0">
+                <a:latin typeface="Consolas" panose="020B0609020204030204" pitchFamily="49" charset="0"/>
+              </a:rPr>
+              <a:t>, </a:t>
+            </a:r>
+            <a:endParaRPr lang="es-ES" dirty="0" smtClean="0">
+              <a:latin typeface="Consolas" panose="020B0609020204030204" pitchFamily="49" charset="0"/>
+            </a:endParaRPr>
+          </a:p>
+          <a:p>
+            <a:pPr marL="400050" lvl="1" indent="0">
+              <a:spcAft>
+                <a:spcPts val="0"/>
+              </a:spcAft>
+              <a:buNone/>
+            </a:pPr>
+            <a:r>
+              <a:rPr lang="es-ES" u="sng" dirty="0" smtClean="0">
+                <a:latin typeface="Consolas" panose="020B0609020204030204" pitchFamily="49" charset="0"/>
+                <a:hlinkClick r:id="rId2"/>
+              </a:rPr>
+              <a:t>Vector3</a:t>
+            </a:r>
+            <a:r>
+              <a:rPr lang="es-ES" u="sng" dirty="0">
+                <a:latin typeface="Consolas" panose="020B0609020204030204" pitchFamily="49" charset="0"/>
+                <a:hlinkClick r:id="rId2"/>
+              </a:rPr>
+              <a:t> </a:t>
+            </a:r>
+            <a:r>
+              <a:rPr lang="es-ES" b="1" dirty="0" err="1">
+                <a:latin typeface="Consolas" panose="020B0609020204030204" pitchFamily="49" charset="0"/>
+              </a:rPr>
+              <a:t>direction</a:t>
+            </a:r>
+            <a:r>
+              <a:rPr lang="es-ES" dirty="0">
+                <a:latin typeface="Consolas" panose="020B0609020204030204" pitchFamily="49" charset="0"/>
+              </a:rPr>
+              <a:t>, </a:t>
+            </a:r>
+            <a:endParaRPr lang="es-ES" dirty="0" smtClean="0">
+              <a:latin typeface="Consolas" panose="020B0609020204030204" pitchFamily="49" charset="0"/>
+            </a:endParaRPr>
+          </a:p>
+          <a:p>
+            <a:pPr marL="400050" lvl="1" indent="0">
+              <a:spcAft>
+                <a:spcPts val="0"/>
+              </a:spcAft>
+              <a:buNone/>
+            </a:pPr>
+            <a:r>
+              <a:rPr lang="es-ES" dirty="0" err="1" smtClean="0">
+                <a:latin typeface="Consolas" panose="020B0609020204030204" pitchFamily="49" charset="0"/>
+              </a:rPr>
+              <a:t>float</a:t>
+            </a:r>
+            <a:r>
+              <a:rPr lang="es-ES" dirty="0">
+                <a:latin typeface="Consolas" panose="020B0609020204030204" pitchFamily="49" charset="0"/>
+              </a:rPr>
+              <a:t> </a:t>
+            </a:r>
+            <a:r>
+              <a:rPr lang="es-ES" b="1" dirty="0" err="1">
+                <a:latin typeface="Consolas" panose="020B0609020204030204" pitchFamily="49" charset="0"/>
+              </a:rPr>
+              <a:t>maxDistance</a:t>
+            </a:r>
+            <a:r>
+              <a:rPr lang="es-ES" dirty="0">
+                <a:latin typeface="Consolas" panose="020B0609020204030204" pitchFamily="49" charset="0"/>
+              </a:rPr>
+              <a:t> = </a:t>
+            </a:r>
+            <a:r>
+              <a:rPr lang="es-ES" dirty="0" err="1">
+                <a:latin typeface="Consolas" panose="020B0609020204030204" pitchFamily="49" charset="0"/>
+              </a:rPr>
+              <a:t>Mathf.Infinity</a:t>
+            </a:r>
+            <a:r>
+              <a:rPr lang="es-ES" dirty="0">
+                <a:latin typeface="Consolas" panose="020B0609020204030204" pitchFamily="49" charset="0"/>
+              </a:rPr>
+              <a:t>, </a:t>
+            </a:r>
+            <a:endParaRPr lang="es-ES" dirty="0" smtClean="0">
+              <a:latin typeface="Consolas" panose="020B0609020204030204" pitchFamily="49" charset="0"/>
+            </a:endParaRPr>
+          </a:p>
+          <a:p>
+            <a:pPr marL="400050" lvl="1" indent="0">
+              <a:spcAft>
+                <a:spcPts val="0"/>
+              </a:spcAft>
+              <a:buNone/>
+            </a:pPr>
+            <a:r>
+              <a:rPr lang="es-ES" dirty="0" err="1" smtClean="0">
+                <a:latin typeface="Consolas" panose="020B0609020204030204" pitchFamily="49" charset="0"/>
+              </a:rPr>
+              <a:t>int</a:t>
+            </a:r>
+            <a:r>
+              <a:rPr lang="es-ES" dirty="0">
+                <a:latin typeface="Consolas" panose="020B0609020204030204" pitchFamily="49" charset="0"/>
+              </a:rPr>
+              <a:t> </a:t>
+            </a:r>
+            <a:r>
+              <a:rPr lang="es-ES" b="1" dirty="0" err="1">
+                <a:latin typeface="Consolas" panose="020B0609020204030204" pitchFamily="49" charset="0"/>
+              </a:rPr>
+              <a:t>layerMask</a:t>
+            </a:r>
+            <a:r>
+              <a:rPr lang="es-ES" dirty="0">
+                <a:latin typeface="Consolas" panose="020B0609020204030204" pitchFamily="49" charset="0"/>
+              </a:rPr>
+              <a:t> </a:t>
+            </a:r>
+            <a:r>
+              <a:rPr lang="es-ES" dirty="0" smtClean="0">
+                <a:latin typeface="Consolas" panose="020B0609020204030204" pitchFamily="49" charset="0"/>
+              </a:rPr>
+              <a:t>= </a:t>
+            </a:r>
+            <a:r>
+              <a:rPr lang="es-ES" dirty="0" err="1" smtClean="0">
+                <a:latin typeface="Consolas" panose="020B0609020204030204" pitchFamily="49" charset="0"/>
+              </a:rPr>
+              <a:t>DefaultRaycastLayers</a:t>
+            </a:r>
+            <a:r>
+              <a:rPr lang="es-ES" dirty="0">
+                <a:latin typeface="Consolas" panose="020B0609020204030204" pitchFamily="49" charset="0"/>
+              </a:rPr>
+              <a:t>, </a:t>
+            </a:r>
+            <a:endParaRPr lang="es-ES" dirty="0" smtClean="0">
+              <a:latin typeface="Consolas" panose="020B0609020204030204" pitchFamily="49" charset="0"/>
+            </a:endParaRPr>
+          </a:p>
+          <a:p>
+            <a:pPr marL="400050" lvl="1" indent="0">
+              <a:spcAft>
+                <a:spcPts val="0"/>
+              </a:spcAft>
+              <a:buNone/>
+            </a:pPr>
+            <a:r>
+              <a:rPr lang="es-ES" u="sng" dirty="0" err="1" smtClean="0">
+                <a:latin typeface="Consolas" panose="020B0609020204030204" pitchFamily="49" charset="0"/>
+                <a:hlinkClick r:id="rId3"/>
+              </a:rPr>
+              <a:t>QueryTriggerInteraction</a:t>
+            </a:r>
+            <a:r>
+              <a:rPr lang="es-ES" u="sng" dirty="0">
+                <a:latin typeface="Consolas" panose="020B0609020204030204" pitchFamily="49" charset="0"/>
+                <a:hlinkClick r:id="rId3"/>
+              </a:rPr>
+              <a:t> </a:t>
+            </a:r>
+            <a:r>
+              <a:rPr lang="es-ES" b="1" dirty="0" err="1">
+                <a:latin typeface="Consolas" panose="020B0609020204030204" pitchFamily="49" charset="0"/>
+              </a:rPr>
+              <a:t>queryTriggerInteraction</a:t>
+            </a:r>
+            <a:r>
+              <a:rPr lang="es-ES" dirty="0">
+                <a:latin typeface="Consolas" panose="020B0609020204030204" pitchFamily="49" charset="0"/>
+              </a:rPr>
+              <a:t> = </a:t>
+            </a:r>
+            <a:r>
+              <a:rPr lang="es-ES" dirty="0" err="1" smtClean="0">
+                <a:latin typeface="Consolas" panose="020B0609020204030204" pitchFamily="49" charset="0"/>
+              </a:rPr>
+              <a:t>QueryTriggerInteraction.UseGlobal</a:t>
+            </a:r>
+            <a:r>
+              <a:rPr lang="es-ES" dirty="0">
+                <a:latin typeface="Consolas" panose="020B0609020204030204" pitchFamily="49" charset="0"/>
+              </a:rPr>
+              <a:t>);</a:t>
+            </a:r>
+          </a:p>
+          <a:p>
+            <a:pPr marL="0" indent="0">
+              <a:spcAft>
+                <a:spcPts val="0"/>
+              </a:spcAft>
+              <a:buNone/>
+            </a:pPr>
+            <a:r>
+              <a:rPr lang="es-ES" dirty="0" err="1">
+                <a:latin typeface="Consolas" panose="020B0609020204030204" pitchFamily="49" charset="0"/>
+              </a:rPr>
+              <a:t>public</a:t>
+            </a:r>
+            <a:r>
+              <a:rPr lang="es-ES" dirty="0">
+                <a:latin typeface="Consolas" panose="020B0609020204030204" pitchFamily="49" charset="0"/>
+              </a:rPr>
+              <a:t> </a:t>
+            </a:r>
+            <a:r>
+              <a:rPr lang="es-ES" dirty="0" err="1">
+                <a:latin typeface="Consolas" panose="020B0609020204030204" pitchFamily="49" charset="0"/>
+              </a:rPr>
+              <a:t>static</a:t>
+            </a:r>
+            <a:r>
+              <a:rPr lang="es-ES" dirty="0">
+                <a:latin typeface="Consolas" panose="020B0609020204030204" pitchFamily="49" charset="0"/>
+              </a:rPr>
+              <a:t> </a:t>
+            </a:r>
+            <a:r>
+              <a:rPr lang="es-ES" dirty="0" err="1">
+                <a:latin typeface="Consolas" panose="020B0609020204030204" pitchFamily="49" charset="0"/>
+              </a:rPr>
+              <a:t>bool</a:t>
+            </a:r>
+            <a:r>
+              <a:rPr lang="es-ES" dirty="0">
+                <a:latin typeface="Consolas" panose="020B0609020204030204" pitchFamily="49" charset="0"/>
+              </a:rPr>
+              <a:t> </a:t>
+            </a:r>
+            <a:r>
+              <a:rPr lang="es-ES" dirty="0" err="1">
+                <a:latin typeface="Consolas" panose="020B0609020204030204" pitchFamily="49" charset="0"/>
+              </a:rPr>
+              <a:t>Raycast</a:t>
+            </a:r>
+            <a:r>
+              <a:rPr lang="es-ES" dirty="0" smtClean="0">
+                <a:latin typeface="Consolas" panose="020B0609020204030204" pitchFamily="49" charset="0"/>
+              </a:rPr>
+              <a:t>(</a:t>
+            </a:r>
+            <a:endParaRPr lang="es-ES" dirty="0">
+              <a:latin typeface="Consolas" panose="020B0609020204030204" pitchFamily="49" charset="0"/>
+              <a:hlinkClick r:id="rId4"/>
+            </a:endParaRPr>
+          </a:p>
+          <a:p>
+            <a:pPr marL="400050" lvl="1" indent="0">
+              <a:spcAft>
+                <a:spcPts val="0"/>
+              </a:spcAft>
+              <a:buNone/>
+            </a:pPr>
+            <a:r>
+              <a:rPr lang="es-ES" dirty="0" err="1" smtClean="0">
+                <a:latin typeface="Consolas" panose="020B0609020204030204" pitchFamily="49" charset="0"/>
+                <a:hlinkClick r:id="rId4"/>
+              </a:rPr>
+              <a:t>Ray</a:t>
+            </a:r>
+            <a:r>
+              <a:rPr lang="es-ES" dirty="0">
+                <a:latin typeface="Consolas" panose="020B0609020204030204" pitchFamily="49" charset="0"/>
+                <a:hlinkClick r:id="rId4"/>
+              </a:rPr>
+              <a:t> </a:t>
+            </a:r>
+            <a:r>
+              <a:rPr lang="es-ES" dirty="0" err="1">
+                <a:latin typeface="Consolas" panose="020B0609020204030204" pitchFamily="49" charset="0"/>
+              </a:rPr>
+              <a:t>ray</a:t>
+            </a:r>
+            <a:r>
+              <a:rPr lang="es-ES" dirty="0">
+                <a:latin typeface="Consolas" panose="020B0609020204030204" pitchFamily="49" charset="0"/>
+              </a:rPr>
+              <a:t>, </a:t>
+            </a:r>
+            <a:endParaRPr lang="es-ES" dirty="0" smtClean="0">
+              <a:latin typeface="Consolas" panose="020B0609020204030204" pitchFamily="49" charset="0"/>
+            </a:endParaRPr>
+          </a:p>
+          <a:p>
+            <a:pPr marL="400050" lvl="1" indent="0">
+              <a:spcAft>
+                <a:spcPts val="0"/>
+              </a:spcAft>
+              <a:buNone/>
+            </a:pPr>
+            <a:r>
+              <a:rPr lang="es-ES" dirty="0" err="1" smtClean="0">
+                <a:latin typeface="Consolas" panose="020B0609020204030204" pitchFamily="49" charset="0"/>
+              </a:rPr>
+              <a:t>out</a:t>
+            </a:r>
+            <a:r>
+              <a:rPr lang="es-ES" dirty="0">
+                <a:latin typeface="Consolas" panose="020B0609020204030204" pitchFamily="49" charset="0"/>
+              </a:rPr>
+              <a:t> </a:t>
+            </a:r>
+            <a:r>
+              <a:rPr lang="es-ES" dirty="0" err="1">
+                <a:latin typeface="Consolas" panose="020B0609020204030204" pitchFamily="49" charset="0"/>
+                <a:hlinkClick r:id="rId5"/>
+              </a:rPr>
+              <a:t>RaycastHit</a:t>
+            </a:r>
+            <a:r>
+              <a:rPr lang="es-ES" dirty="0">
+                <a:latin typeface="Consolas" panose="020B0609020204030204" pitchFamily="49" charset="0"/>
+                <a:hlinkClick r:id="rId5"/>
+              </a:rPr>
+              <a:t> </a:t>
+            </a:r>
+            <a:r>
+              <a:rPr lang="es-ES" dirty="0" err="1">
+                <a:latin typeface="Consolas" panose="020B0609020204030204" pitchFamily="49" charset="0"/>
+              </a:rPr>
+              <a:t>hitInfo</a:t>
+            </a:r>
+            <a:r>
+              <a:rPr lang="es-ES" dirty="0">
+                <a:latin typeface="Consolas" panose="020B0609020204030204" pitchFamily="49" charset="0"/>
+              </a:rPr>
+              <a:t>, </a:t>
+            </a:r>
+            <a:endParaRPr lang="es-ES" dirty="0" smtClean="0">
+              <a:latin typeface="Consolas" panose="020B0609020204030204" pitchFamily="49" charset="0"/>
+            </a:endParaRPr>
+          </a:p>
+          <a:p>
+            <a:pPr marL="400050" lvl="1" indent="0">
+              <a:spcAft>
+                <a:spcPts val="0"/>
+              </a:spcAft>
+              <a:buNone/>
+            </a:pPr>
+            <a:r>
+              <a:rPr lang="es-ES" dirty="0" err="1" smtClean="0">
+                <a:latin typeface="Consolas" panose="020B0609020204030204" pitchFamily="49" charset="0"/>
+              </a:rPr>
+              <a:t>float</a:t>
+            </a:r>
+            <a:r>
+              <a:rPr lang="es-ES" dirty="0">
+                <a:latin typeface="Consolas" panose="020B0609020204030204" pitchFamily="49" charset="0"/>
+              </a:rPr>
+              <a:t> </a:t>
+            </a:r>
+            <a:r>
+              <a:rPr lang="es-ES" dirty="0" err="1">
+                <a:latin typeface="Consolas" panose="020B0609020204030204" pitchFamily="49" charset="0"/>
+              </a:rPr>
+              <a:t>maxDistance</a:t>
+            </a:r>
+            <a:r>
+              <a:rPr lang="es-ES" dirty="0">
+                <a:latin typeface="Consolas" panose="020B0609020204030204" pitchFamily="49" charset="0"/>
+              </a:rPr>
+              <a:t> = </a:t>
+            </a:r>
+            <a:r>
+              <a:rPr lang="es-ES" dirty="0" err="1">
+                <a:latin typeface="Consolas" panose="020B0609020204030204" pitchFamily="49" charset="0"/>
+              </a:rPr>
+              <a:t>Mathf.Infinity</a:t>
+            </a:r>
+            <a:r>
+              <a:rPr lang="es-ES" dirty="0">
+                <a:latin typeface="Consolas" panose="020B0609020204030204" pitchFamily="49" charset="0"/>
+              </a:rPr>
+              <a:t>, </a:t>
+            </a:r>
+            <a:endParaRPr lang="es-ES" dirty="0" smtClean="0">
+              <a:latin typeface="Consolas" panose="020B0609020204030204" pitchFamily="49" charset="0"/>
+            </a:endParaRPr>
+          </a:p>
+          <a:p>
+            <a:pPr marL="400050" lvl="1" indent="0">
+              <a:spcAft>
+                <a:spcPts val="0"/>
+              </a:spcAft>
+              <a:buNone/>
+            </a:pPr>
+            <a:r>
+              <a:rPr lang="es-ES" dirty="0" err="1" smtClean="0">
+                <a:latin typeface="Consolas" panose="020B0609020204030204" pitchFamily="49" charset="0"/>
+              </a:rPr>
+              <a:t>int</a:t>
+            </a:r>
+            <a:r>
+              <a:rPr lang="es-ES" dirty="0">
+                <a:latin typeface="Consolas" panose="020B0609020204030204" pitchFamily="49" charset="0"/>
+              </a:rPr>
+              <a:t> </a:t>
+            </a:r>
+            <a:r>
+              <a:rPr lang="es-ES" dirty="0" err="1">
+                <a:latin typeface="Consolas" panose="020B0609020204030204" pitchFamily="49" charset="0"/>
+              </a:rPr>
+              <a:t>layerMask</a:t>
+            </a:r>
+            <a:r>
+              <a:rPr lang="es-ES" dirty="0">
+                <a:latin typeface="Consolas" panose="020B0609020204030204" pitchFamily="49" charset="0"/>
+              </a:rPr>
+              <a:t> = </a:t>
+            </a:r>
+            <a:r>
+              <a:rPr lang="es-ES" dirty="0" err="1">
+                <a:latin typeface="Consolas" panose="020B0609020204030204" pitchFamily="49" charset="0"/>
+              </a:rPr>
+              <a:t>DefaultRaycastLayers</a:t>
+            </a:r>
+            <a:r>
+              <a:rPr lang="es-ES" dirty="0">
+                <a:latin typeface="Consolas" panose="020B0609020204030204" pitchFamily="49" charset="0"/>
+              </a:rPr>
+              <a:t>, </a:t>
+            </a:r>
+            <a:endParaRPr lang="es-ES" dirty="0" smtClean="0">
+              <a:latin typeface="Consolas" panose="020B0609020204030204" pitchFamily="49" charset="0"/>
+            </a:endParaRPr>
+          </a:p>
+          <a:p>
+            <a:pPr marL="400050" lvl="1" indent="0">
+              <a:spcAft>
+                <a:spcPts val="0"/>
+              </a:spcAft>
+              <a:buNone/>
+            </a:pPr>
+            <a:r>
+              <a:rPr lang="es-ES" dirty="0" err="1" smtClean="0">
+                <a:latin typeface="Consolas" panose="020B0609020204030204" pitchFamily="49" charset="0"/>
+                <a:hlinkClick r:id="rId3"/>
+              </a:rPr>
+              <a:t>QueryTriggerInteraction</a:t>
+            </a:r>
+            <a:r>
+              <a:rPr lang="es-ES" dirty="0">
+                <a:latin typeface="Consolas" panose="020B0609020204030204" pitchFamily="49" charset="0"/>
+                <a:hlinkClick r:id="rId3"/>
+              </a:rPr>
+              <a:t> </a:t>
+            </a:r>
+            <a:r>
+              <a:rPr lang="es-ES" dirty="0" err="1">
+                <a:latin typeface="Consolas" panose="020B0609020204030204" pitchFamily="49" charset="0"/>
+              </a:rPr>
+              <a:t>queryTriggerInteraction</a:t>
+            </a:r>
+            <a:r>
+              <a:rPr lang="es-ES" dirty="0">
+                <a:latin typeface="Consolas" panose="020B0609020204030204" pitchFamily="49" charset="0"/>
+              </a:rPr>
+              <a:t> = </a:t>
+            </a:r>
+            <a:r>
+              <a:rPr lang="es-ES" dirty="0" err="1">
+                <a:latin typeface="Consolas" panose="020B0609020204030204" pitchFamily="49" charset="0"/>
+              </a:rPr>
+              <a:t>QueryTriggerInteraction.UseGlobal</a:t>
+            </a:r>
+            <a:r>
+              <a:rPr lang="es-ES" dirty="0">
+                <a:latin typeface="Consolas" panose="020B0609020204030204" pitchFamily="49" charset="0"/>
+              </a:rPr>
+              <a:t>);</a:t>
+            </a:r>
+          </a:p>
+        </p:txBody>
+      </p:sp>
+    </p:spTree>
+    <p:extLst>
+      <p:ext uri="{BB962C8B-B14F-4D97-AF65-F5344CB8AC3E}">
+        <p14:creationId xmlns:p14="http://schemas.microsoft.com/office/powerpoint/2010/main" val="1021918092"/>
       </p:ext>
     </p:extLst>
   </p:cSld>
